--- a/PPT/05 WebDriver高级应用.pptx
+++ b/PPT/05 WebDriver高级应用.pptx
@@ -5,7 +5,7 @@
     <p:sldMasterId id="2147483683" r:id="rId1"/>
   </p:sldMasterIdLst>
   <p:notesMasterIdLst>
-    <p:notesMasterId r:id="rId33"/>
+    <p:notesMasterId r:id="rId32"/>
   </p:notesMasterIdLst>
   <p:sldIdLst>
     <p:sldId id="303" r:id="rId2"/>
@@ -19,7 +19,7 @@
     <p:sldId id="311" r:id="rId10"/>
     <p:sldId id="353" r:id="rId11"/>
     <p:sldId id="335" r:id="rId12"/>
-    <p:sldId id="330" r:id="rId13"/>
+    <p:sldId id="366" r:id="rId13"/>
     <p:sldId id="355" r:id="rId14"/>
     <p:sldId id="357" r:id="rId15"/>
     <p:sldId id="358" r:id="rId16"/>
@@ -36,9 +36,8 @@
     <p:sldId id="328" r:id="rId27"/>
     <p:sldId id="364" r:id="rId28"/>
     <p:sldId id="351" r:id="rId29"/>
-    <p:sldId id="354" r:id="rId30"/>
-    <p:sldId id="356" r:id="rId31"/>
-    <p:sldId id="365" r:id="rId32"/>
+    <p:sldId id="367" r:id="rId30"/>
+    <p:sldId id="368" r:id="rId31"/>
   </p:sldIdLst>
   <p:sldSz cx="9144000" cy="5143500" type="screen16x9"/>
   <p:notesSz cx="6858000" cy="9144000"/>
@@ -222,7 +221,7 @@
           <a:p>
             <a:fld id="{AE352125-61D3-4E81-B35C-61384229EEC7}" type="datetimeFigureOut">
               <a:rPr lang="zh-CN" altLang="en-US" smtClean="0"/>
-              <a:t>2019/3/15</a:t>
+              <a:t>2019/3/21</a:t>
             </a:fld>
             <a:endParaRPr lang="zh-CN" altLang="en-US"/>
           </a:p>
@@ -808,6 +807,90 @@
 </p:notes>
 </file>
 
+<file path=ppt/notesSlides/notesSlide4.xml><?xml version="1.0" encoding="utf-8"?>
+<p:notes xmlns:a="http://schemas.openxmlformats.org/drawingml/2006/main" xmlns:r="http://schemas.openxmlformats.org/officeDocument/2006/relationships" xmlns:p="http://schemas.openxmlformats.org/presentationml/2006/main">
+  <p:cSld>
+    <p:spTree>
+      <p:nvGrpSpPr>
+        <p:cNvPr id="1" name=""/>
+        <p:cNvGrpSpPr/>
+        <p:nvPr/>
+      </p:nvGrpSpPr>
+      <p:grpSpPr>
+        <a:xfrm>
+          <a:off x="0" y="0"/>
+          <a:ext cx="0" cy="0"/>
+          <a:chOff x="0" y="0"/>
+          <a:chExt cx="0" cy="0"/>
+        </a:xfrm>
+      </p:grpSpPr>
+      <p:sp>
+        <p:nvSpPr>
+          <p:cNvPr id="2" name="幻灯片图像占位符 1"/>
+          <p:cNvSpPr>
+            <a:spLocks noGrp="1" noRot="1" noChangeAspect="1"/>
+          </p:cNvSpPr>
+          <p:nvPr>
+            <p:ph type="sldImg"/>
+          </p:nvPr>
+        </p:nvSpPr>
+        <p:spPr/>
+      </p:sp>
+      <p:sp>
+        <p:nvSpPr>
+          <p:cNvPr id="3" name="备注占位符 2"/>
+          <p:cNvSpPr>
+            <a:spLocks noGrp="1"/>
+          </p:cNvSpPr>
+          <p:nvPr>
+            <p:ph type="body" idx="1"/>
+          </p:nvPr>
+        </p:nvSpPr>
+        <p:spPr/>
+        <p:txBody>
+          <a:bodyPr/>
+          <a:lstStyle/>
+          <a:p>
+            <a:endParaRPr lang="zh-CN" altLang="en-US" dirty="0"/>
+          </a:p>
+        </p:txBody>
+      </p:sp>
+      <p:sp>
+        <p:nvSpPr>
+          <p:cNvPr id="4" name="灯片编号占位符 3"/>
+          <p:cNvSpPr>
+            <a:spLocks noGrp="1"/>
+          </p:cNvSpPr>
+          <p:nvPr>
+            <p:ph type="sldNum" sz="quarter" idx="10"/>
+          </p:nvPr>
+        </p:nvSpPr>
+        <p:spPr/>
+        <p:txBody>
+          <a:bodyPr/>
+          <a:lstStyle/>
+          <a:p>
+            <a:fld id="{C602B3B4-787B-442F-B69E-9A14C81C0336}" type="slidenum">
+              <a:rPr lang="zh-CN" altLang="en-US" smtClean="0"/>
+              <a:t>29</a:t>
+            </a:fld>
+            <a:endParaRPr lang="zh-CN" altLang="en-US"/>
+          </a:p>
+        </p:txBody>
+      </p:sp>
+    </p:spTree>
+    <p:extLst>
+      <p:ext uri="{BB962C8B-B14F-4D97-AF65-F5344CB8AC3E}">
+        <p14:creationId xmlns:p14="http://schemas.microsoft.com/office/powerpoint/2010/main" val="62836757"/>
+      </p:ext>
+    </p:extLst>
+  </p:cSld>
+  <p:clrMapOvr>
+    <a:masterClrMapping/>
+  </p:clrMapOvr>
+</p:notes>
+</file>
+
 <file path=ppt/slideLayouts/slideLayout1.xml><?xml version="1.0" encoding="utf-8"?>
 <p:sldLayout xmlns:a="http://schemas.openxmlformats.org/drawingml/2006/main" xmlns:r="http://schemas.openxmlformats.org/officeDocument/2006/relationships" xmlns:p="http://schemas.openxmlformats.org/presentationml/2006/main" type="title" preserve="1">
   <p:cSld name="标题幻灯片">
@@ -842,7 +925,7 @@
           <a:p>
             <a:fld id="{B0785428-2FED-49F1-91A2-854854CFC33C}" type="datetimeFigureOut">
               <a:rPr lang="zh-CN" altLang="en-US" smtClean="0"/>
-              <a:t>2019/3/15</a:t>
+              <a:t>2019/3/21</a:t>
             </a:fld>
             <a:endParaRPr lang="zh-CN" altLang="en-US"/>
           </a:p>
@@ -1276,7 +1359,7 @@
           <a:p>
             <a:fld id="{B0785428-2FED-49F1-91A2-854854CFC33C}" type="datetimeFigureOut">
               <a:rPr lang="zh-CN" altLang="en-US" smtClean="0"/>
-              <a:t>2019/3/15</a:t>
+              <a:t>2019/3/21</a:t>
             </a:fld>
             <a:endParaRPr lang="zh-CN" altLang="en-US"/>
           </a:p>
@@ -1822,7 +1905,7 @@
           <a:p>
             <a:fld id="{B0785428-2FED-49F1-91A2-854854CFC33C}" type="datetimeFigureOut">
               <a:rPr lang="zh-CN" altLang="en-US" smtClean="0"/>
-              <a:t>2019/3/15</a:t>
+              <a:t>2019/3/21</a:t>
             </a:fld>
             <a:endParaRPr lang="zh-CN" altLang="en-US"/>
           </a:p>
@@ -2801,7 +2884,7 @@
       </p:sp>
       <p:pic>
         <p:nvPicPr>
-          <p:cNvPr id="3075" name="Picture 3"/>
+          <p:cNvPr id="2050" name="Picture 2"/>
           <p:cNvPicPr>
             <a:picLocks noChangeAspect="1" noChangeArrowheads="1"/>
           </p:cNvPicPr>
@@ -2822,8 +2905,8 @@
         </p:blipFill>
         <p:spPr bwMode="auto">
           <a:xfrm>
-            <a:off x="683568" y="1005576"/>
-            <a:ext cx="7488832" cy="3618402"/>
+            <a:off x="395288" y="1395413"/>
+            <a:ext cx="8353425" cy="2352675"/>
           </a:xfrm>
           <a:prstGeom prst="rect">
             <a:avLst/>
@@ -2866,7 +2949,7 @@
     </p:spTree>
     <p:extLst>
       <p:ext uri="{BB962C8B-B14F-4D97-AF65-F5344CB8AC3E}">
-        <p14:creationId xmlns:p14="http://schemas.microsoft.com/office/powerpoint/2010/main" val="1034021794"/>
+        <p14:creationId xmlns:p14="http://schemas.microsoft.com/office/powerpoint/2010/main" val="987239913"/>
       </p:ext>
     </p:extLst>
   </p:cSld>
@@ -3472,7 +3555,7 @@
         </p:blipFill>
         <p:spPr bwMode="auto">
           <a:xfrm>
-            <a:off x="684516" y="2787476"/>
+            <a:off x="251520" y="3219822"/>
             <a:ext cx="8477250" cy="1728788"/>
           </a:xfrm>
           <a:prstGeom prst="rect">
@@ -5145,14 +5228,30 @@
             <p:ph idx="1"/>
           </p:nvPr>
         </p:nvSpPr>
-        <p:spPr/>
+        <p:spPr>
+          <a:xfrm>
+            <a:off x="611560" y="1203598"/>
+            <a:ext cx="8229600" cy="3394472"/>
+          </a:xfrm>
+        </p:spPr>
         <p:txBody>
           <a:bodyPr/>
           <a:lstStyle/>
           <a:p>
+            <a:pPr marL="0" indent="0">
+              <a:buNone/>
+            </a:pPr>
+            <a:r>
+              <a:rPr lang="en-US" altLang="zh-CN" dirty="0" smtClean="0"/>
+              <a:t>   Selenium</a:t>
+            </a:r>
+            <a:r>
+              <a:rPr lang="zh-CN" altLang="en-US" dirty="0" smtClean="0"/>
+              <a:t>需要</a:t>
+            </a:r>
             <a:r>
               <a:rPr lang="zh-CN" altLang="en-US" dirty="0"/>
-              <a:t>需要使用</a:t>
+              <a:t>使用</a:t>
             </a:r>
             <a:r>
               <a:rPr lang="en-US" altLang="zh-CN" dirty="0">
@@ -5164,10 +5263,14 @@
             </a:r>
             <a:r>
               <a:rPr lang="zh-CN" altLang="en-US" dirty="0"/>
-              <a:t>语句调用</a:t>
-            </a:r>
-            <a:r>
-              <a:rPr lang="en-US" altLang="zh-CN" dirty="0"/>
+              <a:t>语句</a:t>
+            </a:r>
+            <a:r>
+              <a:rPr lang="zh-CN" altLang="en-US" dirty="0" smtClean="0"/>
+              <a:t>调用，</a:t>
+            </a:r>
+            <a:r>
+              <a:rPr lang="en-US" altLang="zh-CN" dirty="0" smtClean="0"/>
               <a:t>HTML5</a:t>
             </a:r>
             <a:r>
@@ -5223,7 +5326,15 @@
           </a:bodyPr>
           <a:lstStyle/>
           <a:p>
-            <a:endParaRPr lang="zh-CN" altLang="en-US"/>
+            <a:r>
+              <a:rPr lang="en-US" altLang="zh-CN" dirty="0" smtClean="0"/>
+              <a:t>H5</a:t>
+            </a:r>
+            <a:r>
+              <a:rPr lang="zh-CN" altLang="en-US" dirty="0" smtClean="0"/>
+              <a:t>元素</a:t>
+            </a:r>
+            <a:endParaRPr lang="zh-CN" altLang="en-US" dirty="0"/>
           </a:p>
         </p:txBody>
       </p:sp>
@@ -5284,8 +5395,11 @@
           <a:bodyPr/>
           <a:lstStyle/>
           <a:p>
-            <a:r>
-              <a:rPr lang="en-US" altLang="zh-CN" dirty="0"/>
+            <a:pPr marL="0" indent="0">
+              <a:buNone/>
+            </a:pPr>
+            <a:r>
+              <a:rPr lang="en-US" altLang="zh-CN" dirty="0" smtClean="0"/>
               <a:t>http://www.w3school.com.cn/tiy/t.asp?f=html5_video</a:t>
             </a:r>
             <a:endParaRPr lang="zh-CN" altLang="en-US" dirty="0"/>
@@ -5532,11 +5646,19 @@
             </a:pPr>
             <a:r>
               <a:rPr lang="zh-CN" altLang="en-US" sz="2400" dirty="0" smtClean="0"/>
-              <a:t>测试地址</a:t>
+              <a:t>测试</a:t>
+            </a:r>
+            <a:r>
+              <a:rPr lang="zh-CN" altLang="en-US" sz="2400" dirty="0" smtClean="0"/>
+              <a:t>地址：</a:t>
+            </a:r>
+            <a:r>
+              <a:rPr lang="en-US" altLang="zh-CN" sz="2400" dirty="0" smtClean="0"/>
+              <a:t>http</a:t>
             </a:r>
             <a:r>
               <a:rPr lang="en-US" altLang="zh-CN" sz="2400" dirty="0"/>
-              <a:t>http://literallycanvas.com/</a:t>
+              <a:t>://literallycanvas.com/</a:t>
             </a:r>
             <a:endParaRPr lang="zh-CN" altLang="en-US" sz="2400" dirty="0"/>
           </a:p>
@@ -6506,7 +6628,15 @@
             </a:pPr>
             <a:r>
               <a:rPr lang="zh-CN" altLang="en-US" sz="2400" dirty="0" smtClean="0"/>
-              <a:t>检查方式 元素是否正常 </a:t>
+              <a:t>检查</a:t>
+            </a:r>
+            <a:r>
+              <a:rPr lang="zh-CN" altLang="en-US" sz="2400" dirty="0" smtClean="0"/>
+              <a:t>方式元素</a:t>
+            </a:r>
+            <a:r>
+              <a:rPr lang="zh-CN" altLang="en-US" sz="2400" dirty="0" smtClean="0"/>
+              <a:t>是否正常 </a:t>
             </a:r>
             <a:r>
               <a:rPr lang="en-US" altLang="zh-CN" sz="2400" dirty="0" smtClean="0"/>
@@ -6671,112 +6801,289 @@
         </p:nvSpPr>
         <p:spPr>
           <a:xfrm>
-            <a:off x="0" y="843558"/>
-            <a:ext cx="8820472" cy="3394472"/>
+            <a:off x="539552" y="915566"/>
+            <a:ext cx="8229600" cy="4032448"/>
           </a:xfrm>
         </p:spPr>
         <p:txBody>
           <a:bodyPr>
-            <a:normAutofit fontScale="92500"/>
+            <a:normAutofit fontScale="40000" lnSpcReduction="20000"/>
           </a:bodyPr>
           <a:lstStyle/>
           <a:p>
-            <a:r>
-              <a:rPr lang="zh-CN" altLang="en-US" dirty="0" smtClean="0"/>
-              <a:t>富文本框的实现常见技术用到了</a:t>
-            </a:r>
-            <a:r>
-              <a:rPr lang="en-US" altLang="zh-CN" dirty="0" smtClean="0"/>
-              <a:t>Frame</a:t>
-            </a:r>
-            <a:r>
-              <a:rPr lang="zh-CN" altLang="en-US" dirty="0" smtClean="0"/>
-              <a:t>标签，并且在</a:t>
-            </a:r>
-            <a:r>
-              <a:rPr lang="en-US" altLang="zh-CN" dirty="0" smtClean="0"/>
-              <a:t>Frame</a:t>
-            </a:r>
-            <a:r>
-              <a:rPr lang="zh-CN" altLang="en-US" dirty="0" smtClean="0"/>
-              <a:t>中实现了一个常见的</a:t>
-            </a:r>
-            <a:r>
-              <a:rPr lang="en-US" altLang="zh-CN" dirty="0" smtClean="0"/>
-              <a:t>HTML</a:t>
-            </a:r>
-            <a:r>
-              <a:rPr lang="zh-CN" altLang="en-US" dirty="0" smtClean="0"/>
-              <a:t>网页结构，所以使用普通定位方式无法获取</a:t>
-            </a:r>
-            <a:endParaRPr lang="en-US" altLang="zh-CN" dirty="0" smtClean="0"/>
-          </a:p>
-          <a:p>
-            <a:r>
-              <a:rPr lang="zh-CN" altLang="en-US" dirty="0" smtClean="0"/>
-              <a:t>方法</a:t>
-            </a:r>
+            <a:pPr marL="0" indent="0">
+              <a:lnSpc>
+                <a:spcPct val="170000"/>
+              </a:lnSpc>
+              <a:spcBef>
+                <a:spcPts val="0"/>
+              </a:spcBef>
+              <a:buNone/>
+            </a:pPr>
             <a:r>
               <a:rPr lang="en-US" altLang="zh-CN" dirty="0" smtClean="0"/>
               <a:t>1</a:t>
             </a:r>
             <a:r>
               <a:rPr lang="zh-CN" altLang="en-US" dirty="0" smtClean="0"/>
-              <a:t>：使用切换子页面语句实现富文本框的输入</a:t>
-            </a:r>
-            <a:endParaRPr lang="en-US" altLang="zh-CN" dirty="0" smtClean="0"/>
+              <a:t>、你</a:t>
+            </a:r>
+            <a:r>
+              <a:rPr lang="zh-CN" altLang="en-US" dirty="0"/>
+              <a:t>在项目中如何使用自动化测试工具？</a:t>
+            </a:r>
           </a:p>
           <a:p>
             <a:pPr marL="0" indent="0">
+              <a:lnSpc>
+                <a:spcPct val="170000"/>
+              </a:lnSpc>
+              <a:spcBef>
+                <a:spcPts val="0"/>
+              </a:spcBef>
               <a:buNone/>
             </a:pPr>
-            <a:r>
-              <a:rPr lang="en-US" altLang="zh-CN" dirty="0" smtClean="0"/>
-              <a:t>	</a:t>
-            </a:r>
-            <a:r>
-              <a:rPr lang="en-US" altLang="zh-CN" dirty="0" err="1" smtClean="0"/>
-              <a:t>driver.switchTo</a:t>
-            </a:r>
-            <a:r>
-              <a:rPr lang="en-US" altLang="zh-CN" dirty="0"/>
-              <a:t>().</a:t>
-            </a:r>
-            <a:r>
-              <a:rPr lang="en-US" altLang="zh-CN" dirty="0" smtClean="0"/>
-              <a:t>frame(“</a:t>
-            </a:r>
-            <a:r>
-              <a:rPr lang="en-US" altLang="zh-CN" dirty="0" err="1" smtClean="0"/>
-              <a:t>iframe</a:t>
-            </a:r>
-            <a:r>
-              <a:rPr lang="en-US" altLang="zh-CN" dirty="0" smtClean="0"/>
-              <a:t>”);</a:t>
-            </a:r>
-          </a:p>
-          <a:p>
-            <a:r>
-              <a:rPr lang="zh-CN" altLang="en-US" dirty="0" smtClean="0"/>
-              <a:t>方法</a:t>
-            </a:r>
             <a:r>
               <a:rPr lang="en-US" altLang="zh-CN" dirty="0" smtClean="0"/>
               <a:t>2</a:t>
             </a:r>
             <a:r>
               <a:rPr lang="zh-CN" altLang="en-US" dirty="0" smtClean="0"/>
-              <a:t>：找到紧邻的元素，使用</a:t>
-            </a:r>
+              <a:t>、如何</a:t>
+            </a:r>
+            <a:r>
+              <a:rPr lang="zh-CN" altLang="en-US" dirty="0"/>
+              <a:t>解决遇到的问题？</a:t>
+            </a:r>
+          </a:p>
+          <a:p>
+            <a:pPr marL="0" indent="0">
+              <a:lnSpc>
+                <a:spcPct val="170000"/>
+              </a:lnSpc>
+              <a:spcBef>
+                <a:spcPts val="0"/>
+              </a:spcBef>
+              <a:buNone/>
+            </a:pPr>
             <a:r>
               <a:rPr lang="en-US" altLang="zh-CN" dirty="0" smtClean="0"/>
-              <a:t>Tab</a:t>
+              <a:t>3</a:t>
             </a:r>
             <a:r>
               <a:rPr lang="zh-CN" altLang="en-US" dirty="0" smtClean="0"/>
-              <a:t>键的方法</a:t>
+              <a:t>、定位</a:t>
+            </a:r>
+            <a:r>
+              <a:rPr lang="zh-CN" altLang="en-US" dirty="0"/>
+              <a:t>方式有哪一种？你是如何选择的</a:t>
+            </a:r>
+            <a:r>
+              <a:rPr lang="zh-CN" altLang="en-US" dirty="0" smtClean="0"/>
+              <a:t>？</a:t>
+            </a:r>
+            <a:endParaRPr lang="en-US" altLang="zh-CN" dirty="0" smtClean="0"/>
+          </a:p>
+          <a:p>
+            <a:pPr marL="0" indent="0">
+              <a:lnSpc>
+                <a:spcPct val="170000"/>
+              </a:lnSpc>
+              <a:spcBef>
+                <a:spcPts val="0"/>
+              </a:spcBef>
+              <a:buNone/>
+            </a:pPr>
+            <a:r>
+              <a:rPr lang="en-US" altLang="zh-CN" dirty="0" smtClean="0"/>
+              <a:t>4</a:t>
+            </a:r>
+            <a:r>
+              <a:rPr lang="zh-CN" altLang="en-US" smtClean="0"/>
+              <a:t>、如何处理动态元素？</a:t>
             </a:r>
             <a:endParaRPr lang="zh-CN" altLang="en-US" dirty="0"/>
+          </a:p>
+          <a:p>
+            <a:pPr marL="0" indent="0">
+              <a:lnSpc>
+                <a:spcPct val="170000"/>
+              </a:lnSpc>
+              <a:spcBef>
+                <a:spcPts val="0"/>
+              </a:spcBef>
+              <a:buNone/>
+            </a:pPr>
+            <a:r>
+              <a:rPr lang="en-US" altLang="zh-CN" dirty="0" smtClean="0"/>
+              <a:t>4</a:t>
+            </a:r>
+            <a:r>
+              <a:rPr lang="zh-CN" altLang="en-US" dirty="0" smtClean="0"/>
+              <a:t>、自动化</a:t>
+            </a:r>
+            <a:r>
+              <a:rPr lang="zh-CN" altLang="en-US" dirty="0"/>
+              <a:t>测试的流程是什么？</a:t>
+            </a:r>
+          </a:p>
+          <a:p>
+            <a:pPr marL="400050" lvl="1" indent="0">
+              <a:lnSpc>
+                <a:spcPct val="170000"/>
+              </a:lnSpc>
+              <a:spcBef>
+                <a:spcPts val="0"/>
+              </a:spcBef>
+              <a:buNone/>
+            </a:pPr>
+            <a:r>
+              <a:rPr lang="en-US" altLang="zh-CN" sz="3400" dirty="0"/>
+              <a:t>1</a:t>
+            </a:r>
+            <a:r>
+              <a:rPr lang="zh-CN" altLang="en-US" sz="3400" dirty="0" smtClean="0"/>
+              <a:t>）分析</a:t>
+            </a:r>
+            <a:r>
+              <a:rPr lang="zh-CN" altLang="en-US" sz="3400" dirty="0"/>
+              <a:t>测试需求</a:t>
+            </a:r>
+          </a:p>
+          <a:p>
+            <a:pPr marL="400050" lvl="1" indent="0">
+              <a:lnSpc>
+                <a:spcPct val="170000"/>
+              </a:lnSpc>
+              <a:spcBef>
+                <a:spcPts val="0"/>
+              </a:spcBef>
+              <a:buNone/>
+            </a:pPr>
+            <a:r>
+              <a:rPr lang="en-US" altLang="zh-CN" sz="3400" dirty="0"/>
+              <a:t>2</a:t>
+            </a:r>
+            <a:r>
+              <a:rPr lang="zh-CN" altLang="en-US" sz="3400" dirty="0" smtClean="0"/>
+              <a:t>）选择</a:t>
+            </a:r>
+            <a:r>
+              <a:rPr lang="zh-CN" altLang="en-US" sz="3400" dirty="0"/>
+              <a:t>方案</a:t>
+            </a:r>
+          </a:p>
+          <a:p>
+            <a:pPr marL="400050" lvl="1" indent="0">
+              <a:lnSpc>
+                <a:spcPct val="170000"/>
+              </a:lnSpc>
+              <a:spcBef>
+                <a:spcPts val="0"/>
+              </a:spcBef>
+              <a:buNone/>
+            </a:pPr>
+            <a:r>
+              <a:rPr lang="en-US" altLang="zh-CN" sz="3400" dirty="0"/>
+              <a:t>3</a:t>
+            </a:r>
+            <a:r>
+              <a:rPr lang="zh-CN" altLang="en-US" sz="3400" dirty="0" smtClean="0"/>
+              <a:t>）制定</a:t>
+            </a:r>
+            <a:r>
+              <a:rPr lang="zh-CN" altLang="en-US" sz="3400" dirty="0"/>
+              <a:t>测试计划</a:t>
+            </a:r>
+          </a:p>
+          <a:p>
+            <a:pPr marL="400050" lvl="1" indent="0">
+              <a:lnSpc>
+                <a:spcPct val="170000"/>
+              </a:lnSpc>
+              <a:spcBef>
+                <a:spcPts val="0"/>
+              </a:spcBef>
+              <a:buNone/>
+            </a:pPr>
+            <a:r>
+              <a:rPr lang="en-US" altLang="zh-CN" sz="3400" dirty="0"/>
+              <a:t>4</a:t>
+            </a:r>
+            <a:r>
+              <a:rPr lang="zh-CN" altLang="en-US" sz="3400" dirty="0" smtClean="0"/>
+              <a:t>）环境</a:t>
+            </a:r>
+            <a:r>
+              <a:rPr lang="zh-CN" altLang="en-US" sz="3400" dirty="0"/>
+              <a:t>搭建</a:t>
+            </a:r>
+          </a:p>
+          <a:p>
+            <a:pPr marL="400050" lvl="1" indent="0">
+              <a:lnSpc>
+                <a:spcPct val="170000"/>
+              </a:lnSpc>
+              <a:spcBef>
+                <a:spcPts val="0"/>
+              </a:spcBef>
+              <a:buNone/>
+            </a:pPr>
+            <a:r>
+              <a:rPr lang="en-US" altLang="zh-CN" sz="3400" dirty="0"/>
+              <a:t>5</a:t>
+            </a:r>
+            <a:r>
+              <a:rPr lang="zh-CN" altLang="en-US" sz="3400" dirty="0" smtClean="0"/>
+              <a:t>）用例</a:t>
+            </a:r>
+            <a:r>
+              <a:rPr lang="zh-CN" altLang="en-US" sz="3400" dirty="0"/>
+              <a:t>准备</a:t>
+            </a:r>
+          </a:p>
+          <a:p>
+            <a:pPr marL="400050" lvl="1" indent="0">
+              <a:lnSpc>
+                <a:spcPct val="170000"/>
+              </a:lnSpc>
+              <a:spcBef>
+                <a:spcPts val="0"/>
+              </a:spcBef>
+              <a:buNone/>
+            </a:pPr>
+            <a:r>
+              <a:rPr lang="en-US" altLang="zh-CN" sz="3400" dirty="0"/>
+              <a:t>6</a:t>
+            </a:r>
+            <a:r>
+              <a:rPr lang="zh-CN" altLang="en-US" sz="3400" dirty="0" smtClean="0"/>
+              <a:t>）编码</a:t>
+            </a:r>
+            <a:endParaRPr lang="zh-CN" altLang="en-US" sz="3400" dirty="0"/>
+          </a:p>
+          <a:p>
+            <a:pPr marL="400050" lvl="1" indent="0">
+              <a:lnSpc>
+                <a:spcPct val="170000"/>
+              </a:lnSpc>
+              <a:spcBef>
+                <a:spcPts val="0"/>
+              </a:spcBef>
+              <a:buNone/>
+            </a:pPr>
+            <a:r>
+              <a:rPr lang="en-US" altLang="zh-CN" sz="3400" dirty="0"/>
+              <a:t>7</a:t>
+            </a:r>
+            <a:r>
+              <a:rPr lang="zh-CN" altLang="en-US" sz="3400" dirty="0" smtClean="0"/>
+              <a:t>）分析</a:t>
+            </a:r>
+            <a:r>
+              <a:rPr lang="zh-CN" altLang="en-US" sz="3400" dirty="0"/>
+              <a:t>结果</a:t>
+            </a:r>
           </a:p>
         </p:txBody>
       </p:sp>
@@ -6799,7 +7106,7 @@
           <a:p>
             <a:r>
               <a:rPr lang="zh-CN" altLang="en-US" dirty="0" smtClean="0"/>
-              <a:t>富文本框</a:t>
+              <a:t>总结</a:t>
             </a:r>
             <a:endParaRPr lang="zh-CN" altLang="en-US" dirty="0"/>
           </a:p>
@@ -6808,20 +7115,13 @@
     </p:spTree>
     <p:extLst>
       <p:ext uri="{BB962C8B-B14F-4D97-AF65-F5344CB8AC3E}">
-        <p14:creationId xmlns:p14="http://schemas.microsoft.com/office/powerpoint/2010/main" val="278096155"/>
+        <p14:creationId xmlns:p14="http://schemas.microsoft.com/office/powerpoint/2010/main" val="2264538524"/>
       </p:ext>
     </p:extLst>
   </p:cSld>
   <p:clrMapOvr>
     <a:masterClrMapping/>
   </p:clrMapOvr>
-  <p:timing>
-    <p:tnLst>
-      <p:par>
-        <p:cTn id="1" dur="indefinite" restart="never" nodeType="tmRoot"/>
-      </p:par>
-    </p:tnLst>
-  </p:timing>
 </p:sld>
 </file>
 
@@ -7144,334 +7444,10 @@
         </p:nvSpPr>
         <p:spPr/>
         <p:txBody>
-          <a:bodyPr>
-            <a:normAutofit fontScale="47500" lnSpcReduction="20000"/>
-          </a:bodyPr>
+          <a:bodyPr/>
           <a:lstStyle/>
           <a:p>
-            <a:pPr marL="0" indent="0">
-              <a:buNone/>
-            </a:pPr>
-            <a:r>
-              <a:rPr lang="zh-CN" altLang="en-US" dirty="0" smtClean="0"/>
-              <a:t>方法</a:t>
-            </a:r>
-            <a:r>
-              <a:rPr lang="en-US" altLang="zh-CN" dirty="0" smtClean="0"/>
-              <a:t>1</a:t>
-            </a:r>
-            <a:r>
-              <a:rPr lang="zh-CN" altLang="en-US" dirty="0" smtClean="0"/>
-              <a:t>：</a:t>
-            </a:r>
-            <a:r>
-              <a:rPr lang="en-US" altLang="zh-CN" dirty="0" err="1"/>
-              <a:t>wd.switchTo</a:t>
-            </a:r>
-            <a:r>
-              <a:rPr lang="en-US" altLang="zh-CN" dirty="0"/>
-              <a:t>().frame("xhe0_iframe</a:t>
-            </a:r>
-            <a:r>
-              <a:rPr lang="en-US" altLang="zh-CN" dirty="0" smtClean="0"/>
-              <a:t>");</a:t>
-            </a:r>
-          </a:p>
-          <a:p>
-            <a:pPr marL="0" indent="0">
-              <a:buNone/>
-            </a:pPr>
-            <a:r>
-              <a:rPr lang="en-US" altLang="zh-CN" dirty="0" err="1"/>
-              <a:t>wd.findElement</a:t>
-            </a:r>
-            <a:r>
-              <a:rPr lang="en-US" altLang="zh-CN" dirty="0"/>
-              <a:t>(</a:t>
-            </a:r>
-            <a:r>
-              <a:rPr lang="en-US" altLang="zh-CN" dirty="0" err="1"/>
-              <a:t>By.</a:t>
-            </a:r>
-            <a:r>
-              <a:rPr lang="en-US" altLang="zh-CN" i="1" dirty="0" err="1"/>
-              <a:t>tagName</a:t>
-            </a:r>
-            <a:r>
-              <a:rPr lang="en-US" altLang="zh-CN" i="1" dirty="0"/>
-              <a:t>("body</a:t>
-            </a:r>
-            <a:r>
-              <a:rPr lang="en-US" altLang="zh-CN" i="1" dirty="0" smtClean="0"/>
-              <a:t>")).click();</a:t>
-            </a:r>
-            <a:endParaRPr lang="en-US" altLang="zh-CN" dirty="0"/>
-          </a:p>
-          <a:p>
-            <a:pPr marL="0" indent="0">
-              <a:buNone/>
-            </a:pPr>
-            <a:r>
-              <a:rPr lang="en-US" altLang="zh-CN" dirty="0" err="1"/>
-              <a:t>wd.findElement</a:t>
-            </a:r>
-            <a:r>
-              <a:rPr lang="en-US" altLang="zh-CN" dirty="0"/>
-              <a:t>(</a:t>
-            </a:r>
-            <a:r>
-              <a:rPr lang="en-US" altLang="zh-CN" dirty="0" err="1"/>
-              <a:t>By.</a:t>
-            </a:r>
-            <a:r>
-              <a:rPr lang="en-US" altLang="zh-CN" i="1" dirty="0" err="1"/>
-              <a:t>tagName</a:t>
-            </a:r>
-            <a:r>
-              <a:rPr lang="en-US" altLang="zh-CN" i="1" dirty="0"/>
-              <a:t>("body")).</a:t>
-            </a:r>
-            <a:r>
-              <a:rPr lang="en-US" altLang="zh-CN" i="1" dirty="0" err="1"/>
-              <a:t>sendKeys</a:t>
-            </a:r>
-            <a:r>
-              <a:rPr lang="en-US" altLang="zh-CN" i="1" dirty="0"/>
-              <a:t>("</a:t>
-            </a:r>
-            <a:r>
-              <a:rPr lang="zh-CN" altLang="en-US" i="1" dirty="0"/>
-              <a:t>这个电影值得一看</a:t>
-            </a:r>
-            <a:r>
-              <a:rPr lang="en-US" altLang="zh-CN" i="1" dirty="0"/>
-              <a:t>");</a:t>
-            </a:r>
-          </a:p>
-          <a:p>
-            <a:pPr marL="0" indent="0">
-              <a:buNone/>
-            </a:pPr>
-            <a:r>
-              <a:rPr lang="en-US" altLang="zh-CN" dirty="0"/>
-              <a:t>    </a:t>
-            </a:r>
-            <a:r>
-              <a:rPr lang="en-US" altLang="zh-CN" dirty="0" err="1"/>
-              <a:t>Thread.</a:t>
-            </a:r>
-            <a:r>
-              <a:rPr lang="en-US" altLang="zh-CN" i="1" dirty="0" err="1"/>
-              <a:t>sleep</a:t>
-            </a:r>
-            <a:r>
-              <a:rPr lang="en-US" altLang="zh-CN" i="1" dirty="0"/>
-              <a:t>(5000);</a:t>
-            </a:r>
-          </a:p>
-          <a:p>
-            <a:pPr marL="0" indent="0">
-              <a:buNone/>
-            </a:pPr>
-            <a:r>
-              <a:rPr lang="en-US" altLang="zh-CN" dirty="0" err="1"/>
-              <a:t>wd.switchTo</a:t>
-            </a:r>
-            <a:r>
-              <a:rPr lang="en-US" altLang="zh-CN" dirty="0"/>
-              <a:t>().</a:t>
-            </a:r>
-            <a:r>
-              <a:rPr lang="en-US" altLang="zh-CN" dirty="0" err="1"/>
-              <a:t>defaultContent</a:t>
-            </a:r>
-            <a:r>
-              <a:rPr lang="en-US" altLang="zh-CN" dirty="0"/>
-              <a:t>();</a:t>
-            </a:r>
-            <a:endParaRPr lang="en-US" altLang="zh-CN" dirty="0" smtClean="0"/>
-          </a:p>
-          <a:p>
-            <a:pPr marL="0" indent="0">
-              <a:buNone/>
-            </a:pPr>
-            <a:r>
-              <a:rPr lang="zh-CN" altLang="en-US" dirty="0" smtClean="0"/>
-              <a:t>方法</a:t>
-            </a:r>
-            <a:r>
-              <a:rPr lang="en-US" altLang="zh-CN" dirty="0" smtClean="0"/>
-              <a:t>2</a:t>
-            </a:r>
-            <a:r>
-              <a:rPr lang="zh-CN" altLang="en-US" dirty="0" smtClean="0"/>
-              <a:t>：</a:t>
-            </a:r>
-            <a:endParaRPr lang="en-US" altLang="zh-CN" dirty="0" smtClean="0"/>
-          </a:p>
-          <a:p>
-            <a:pPr marL="0" indent="0">
-              <a:buNone/>
-            </a:pPr>
-            <a:r>
-              <a:rPr lang="en-US" altLang="zh-CN" dirty="0" smtClean="0"/>
-              <a:t>Actions </a:t>
-            </a:r>
-            <a:r>
-              <a:rPr lang="en-US" altLang="zh-CN" dirty="0"/>
-              <a:t>action =</a:t>
-            </a:r>
-            <a:r>
-              <a:rPr lang="en-US" altLang="zh-CN" b="1" dirty="0"/>
-              <a:t>new Actions(</a:t>
-            </a:r>
-            <a:r>
-              <a:rPr lang="en-US" altLang="zh-CN" b="1" dirty="0" err="1"/>
-              <a:t>wd</a:t>
-            </a:r>
-            <a:r>
-              <a:rPr lang="en-US" altLang="zh-CN" b="1" dirty="0"/>
-              <a:t>);</a:t>
-            </a:r>
-          </a:p>
-          <a:p>
-            <a:pPr marL="0" indent="0">
-              <a:buNone/>
-            </a:pPr>
-            <a:r>
-              <a:rPr lang="en-US" altLang="zh-CN" dirty="0" err="1"/>
-              <a:t>action.sendKeys</a:t>
-            </a:r>
-            <a:r>
-              <a:rPr lang="en-US" altLang="zh-CN" dirty="0"/>
-              <a:t>(</a:t>
-            </a:r>
-            <a:r>
-              <a:rPr lang="en-US" altLang="zh-CN" dirty="0" err="1"/>
-              <a:t>Keys.</a:t>
-            </a:r>
-            <a:r>
-              <a:rPr lang="en-US" altLang="zh-CN" b="1" i="1" dirty="0" err="1"/>
-              <a:t>TAB</a:t>
-            </a:r>
-            <a:r>
-              <a:rPr lang="en-US" altLang="zh-CN" b="1" i="1" dirty="0"/>
-              <a:t>);</a:t>
-            </a:r>
-          </a:p>
-          <a:p>
-            <a:pPr marL="0" indent="0">
-              <a:buNone/>
-            </a:pPr>
-            <a:r>
-              <a:rPr lang="en-US" altLang="zh-CN" dirty="0" err="1"/>
-              <a:t>action.sendKeys</a:t>
-            </a:r>
-            <a:r>
-              <a:rPr lang="en-US" altLang="zh-CN" dirty="0"/>
-              <a:t>(</a:t>
-            </a:r>
-            <a:r>
-              <a:rPr lang="en-US" altLang="zh-CN" dirty="0" err="1"/>
-              <a:t>Keys.</a:t>
-            </a:r>
-            <a:r>
-              <a:rPr lang="en-US" altLang="zh-CN" b="1" i="1" dirty="0" err="1"/>
-              <a:t>TAB</a:t>
-            </a:r>
-            <a:r>
-              <a:rPr lang="en-US" altLang="zh-CN" b="1" i="1" dirty="0"/>
-              <a:t>);</a:t>
-            </a:r>
-          </a:p>
-          <a:p>
-            <a:pPr marL="0" indent="0">
-              <a:buNone/>
-            </a:pPr>
-            <a:r>
-              <a:rPr lang="en-US" altLang="zh-CN" dirty="0" err="1"/>
-              <a:t>action.sendKeys</a:t>
-            </a:r>
-            <a:r>
-              <a:rPr lang="en-US" altLang="zh-CN" dirty="0"/>
-              <a:t>(</a:t>
-            </a:r>
-            <a:r>
-              <a:rPr lang="en-US" altLang="zh-CN" dirty="0" err="1"/>
-              <a:t>Keys.</a:t>
-            </a:r>
-            <a:r>
-              <a:rPr lang="en-US" altLang="zh-CN" b="1" i="1" dirty="0" err="1"/>
-              <a:t>TAB</a:t>
-            </a:r>
-            <a:r>
-              <a:rPr lang="en-US" altLang="zh-CN" b="1" i="1" dirty="0"/>
-              <a:t>);</a:t>
-            </a:r>
-          </a:p>
-          <a:p>
-            <a:pPr marL="0" indent="0">
-              <a:buNone/>
-            </a:pPr>
-            <a:r>
-              <a:rPr lang="en-US" altLang="zh-CN" dirty="0" err="1"/>
-              <a:t>action.sendKeys</a:t>
-            </a:r>
-            <a:r>
-              <a:rPr lang="en-US" altLang="zh-CN" dirty="0"/>
-              <a:t>("hello").perform();</a:t>
-            </a:r>
-          </a:p>
-          <a:p>
-            <a:pPr marL="0" indent="0">
-              <a:buNone/>
-            </a:pPr>
-            <a:r>
-              <a:rPr lang="en-US" altLang="zh-CN" dirty="0" err="1"/>
-              <a:t>action.sendKeys</a:t>
-            </a:r>
-            <a:r>
-              <a:rPr lang="en-US" altLang="zh-CN" dirty="0"/>
-              <a:t>(</a:t>
-            </a:r>
-            <a:r>
-              <a:rPr lang="en-US" altLang="zh-CN" dirty="0" err="1"/>
-              <a:t>Keys.</a:t>
-            </a:r>
-            <a:r>
-              <a:rPr lang="en-US" altLang="zh-CN" b="1" i="1" dirty="0" err="1"/>
-              <a:t>TAB</a:t>
-            </a:r>
-            <a:r>
-              <a:rPr lang="en-US" altLang="zh-CN" b="1" i="1" dirty="0"/>
-              <a:t>);</a:t>
-            </a:r>
-          </a:p>
-          <a:p>
-            <a:pPr marL="0" indent="0">
-              <a:buNone/>
-            </a:pPr>
-            <a:r>
-              <a:rPr lang="en-US" altLang="zh-CN" dirty="0" err="1"/>
-              <a:t>action.sendKeys</a:t>
-            </a:r>
-            <a:r>
-              <a:rPr lang="en-US" altLang="zh-CN" dirty="0"/>
-              <a:t>(</a:t>
-            </a:r>
-            <a:r>
-              <a:rPr lang="en-US" altLang="zh-CN" dirty="0" err="1"/>
-              <a:t>Keys.</a:t>
-            </a:r>
-            <a:r>
-              <a:rPr lang="en-US" altLang="zh-CN" b="1" i="1" dirty="0" err="1"/>
-              <a:t>ENTER</a:t>
-            </a:r>
-            <a:r>
-              <a:rPr lang="en-US" altLang="zh-CN" b="1" i="1" dirty="0"/>
-              <a:t>).perform();</a:t>
-            </a:r>
-            <a:endParaRPr lang="zh-CN" altLang="en-US" dirty="0"/>
+            <a:endParaRPr lang="zh-CN" altLang="en-US"/>
           </a:p>
         </p:txBody>
       </p:sp>
@@ -7496,154 +7472,80 @@
           </a:p>
         </p:txBody>
       </p:sp>
+      <p:pic>
+        <p:nvPicPr>
+          <p:cNvPr id="1026" name="Picture 2"/>
+          <p:cNvPicPr>
+            <a:picLocks noChangeAspect="1" noChangeArrowheads="1"/>
+          </p:cNvPicPr>
+          <p:nvPr/>
+        </p:nvPicPr>
+        <p:blipFill>
+          <a:blip r:embed="rId2">
+            <a:extLst>
+              <a:ext uri="{28A0092B-C50C-407E-A947-70E740481C1C}">
+                <a14:useLocalDpi xmlns:a14="http://schemas.microsoft.com/office/drawing/2010/main" val="0"/>
+              </a:ext>
+            </a:extLst>
+          </a:blip>
+          <a:srcRect/>
+          <a:stretch>
+            <a:fillRect/>
+          </a:stretch>
+        </p:blipFill>
+        <p:spPr bwMode="auto">
+          <a:xfrm>
+            <a:off x="981075" y="919163"/>
+            <a:ext cx="7180263" cy="3305175"/>
+          </a:xfrm>
+          <a:prstGeom prst="rect">
+            <a:avLst/>
+          </a:prstGeom>
+          <a:noFill/>
+          <a:ln>
+            <a:noFill/>
+          </a:ln>
+          <a:effectLst/>
+          <a:extLst>
+            <a:ext uri="{909E8E84-426E-40DD-AFC4-6F175D3DCCD1}">
+              <a14:hiddenFill xmlns:a14="http://schemas.microsoft.com/office/drawing/2010/main">
+                <a:solidFill>
+                  <a:schemeClr val="accent1"/>
+                </a:solidFill>
+              </a14:hiddenFill>
+            </a:ext>
+            <a:ext uri="{91240B29-F687-4F45-9708-019B960494DF}">
+              <a14:hiddenLine xmlns:a14="http://schemas.microsoft.com/office/drawing/2010/main" w="9525">
+                <a:solidFill>
+                  <a:schemeClr val="tx1"/>
+                </a:solidFill>
+                <a:miter lim="800000"/>
+                <a:headEnd/>
+                <a:tailEnd/>
+              </a14:hiddenLine>
+            </a:ext>
+            <a:ext uri="{AF507438-7753-43E0-B8FC-AC1667EBCBE1}">
+              <a14:hiddenEffects xmlns:a14="http://schemas.microsoft.com/office/drawing/2010/main">
+                <a:effectLst>
+                  <a:outerShdw dist="35921" dir="2700000" algn="ctr" rotWithShape="0">
+                    <a:schemeClr val="bg2"/>
+                  </a:outerShdw>
+                </a:effectLst>
+              </a14:hiddenEffects>
+            </a:ext>
+          </a:extLst>
+        </p:spPr>
+      </p:pic>
     </p:spTree>
     <p:extLst>
       <p:ext uri="{BB962C8B-B14F-4D97-AF65-F5344CB8AC3E}">
-        <p14:creationId xmlns:p14="http://schemas.microsoft.com/office/powerpoint/2010/main" val="612317499"/>
+        <p14:creationId xmlns:p14="http://schemas.microsoft.com/office/powerpoint/2010/main" val="4089017552"/>
       </p:ext>
     </p:extLst>
   </p:cSld>
   <p:clrMapOvr>
     <a:masterClrMapping/>
   </p:clrMapOvr>
-  <p:timing>
-    <p:tnLst>
-      <p:par>
-        <p:cTn id="1" dur="indefinite" restart="never" nodeType="tmRoot"/>
-      </p:par>
-    </p:tnLst>
-  </p:timing>
-</p:sld>
-</file>
-
-<file path=ppt/slides/slide31.xml><?xml version="1.0" encoding="utf-8"?>
-<p:sld xmlns:a="http://schemas.openxmlformats.org/drawingml/2006/main" xmlns:r="http://schemas.openxmlformats.org/officeDocument/2006/relationships" xmlns:p="http://schemas.openxmlformats.org/presentationml/2006/main">
-  <p:cSld>
-    <p:spTree>
-      <p:nvGrpSpPr>
-        <p:cNvPr id="1" name=""/>
-        <p:cNvGrpSpPr/>
-        <p:nvPr/>
-      </p:nvGrpSpPr>
-      <p:grpSpPr>
-        <a:xfrm>
-          <a:off x="0" y="0"/>
-          <a:ext cx="0" cy="0"/>
-          <a:chOff x="0" y="0"/>
-          <a:chExt cx="0" cy="0"/>
-        </a:xfrm>
-      </p:grpSpPr>
-      <p:sp>
-        <p:nvSpPr>
-          <p:cNvPr id="2" name="内容占位符 1"/>
-          <p:cNvSpPr>
-            <a:spLocks noGrp="1"/>
-          </p:cNvSpPr>
-          <p:nvPr>
-            <p:ph idx="1"/>
-          </p:nvPr>
-        </p:nvSpPr>
-        <p:spPr/>
-        <p:txBody>
-          <a:bodyPr/>
-          <a:lstStyle/>
-          <a:p>
-            <a:pPr marL="0" indent="0">
-              <a:buNone/>
-            </a:pPr>
-            <a:r>
-              <a:rPr lang="en-US" altLang="zh-CN" sz="2800" dirty="0" smtClean="0">
-                <a:hlinkClick r:id="rId2"/>
-              </a:rPr>
-              <a:t>1</a:t>
-            </a:r>
-            <a:r>
-              <a:rPr lang="zh-CN" altLang="en-US" sz="2800" dirty="0" smtClean="0">
-                <a:hlinkClick r:id="rId2"/>
-              </a:rPr>
-              <a:t>、</a:t>
-            </a:r>
-            <a:r>
-              <a:rPr lang="en-US" altLang="zh-CN" sz="2800" dirty="0" smtClean="0">
-                <a:hlinkClick r:id="rId2"/>
-              </a:rPr>
-              <a:t>http</a:t>
-            </a:r>
-            <a:r>
-              <a:rPr lang="en-US" altLang="zh-CN" sz="2800" dirty="0">
-                <a:hlinkClick r:id="rId2"/>
-              </a:rPr>
-              <a:t>://</a:t>
-            </a:r>
-            <a:r>
-              <a:rPr lang="en-US" altLang="zh-CN" sz="2800" dirty="0" smtClean="0">
-                <a:hlinkClick r:id="rId2"/>
-              </a:rPr>
-              <a:t>localhost:8032/test/AddRecord.html</a:t>
-            </a:r>
-            <a:r>
-              <a:rPr lang="en-US" altLang="zh-CN" sz="2800" dirty="0" smtClean="0"/>
-              <a:t> </a:t>
-            </a:r>
-          </a:p>
-          <a:p>
-            <a:pPr marL="0" indent="0">
-              <a:buNone/>
-            </a:pPr>
-            <a:r>
-              <a:rPr lang="zh-CN" altLang="en-US" dirty="0" smtClean="0"/>
-              <a:t>  实现添加</a:t>
-            </a:r>
-            <a:r>
-              <a:rPr lang="zh-CN" altLang="en-US" dirty="0" smtClean="0"/>
-              <a:t>图片</a:t>
-            </a:r>
-            <a:endParaRPr lang="en-US" altLang="zh-CN" dirty="0" smtClean="0"/>
-          </a:p>
-        </p:txBody>
-      </p:sp>
-      <p:sp>
-        <p:nvSpPr>
-          <p:cNvPr id="3" name="标题 2"/>
-          <p:cNvSpPr>
-            <a:spLocks noGrp="1"/>
-          </p:cNvSpPr>
-          <p:nvPr>
-            <p:ph type="title"/>
-          </p:nvPr>
-        </p:nvSpPr>
-        <p:spPr/>
-        <p:txBody>
-          <a:bodyPr>
-            <a:normAutofit fontScale="90000"/>
-          </a:bodyPr>
-          <a:lstStyle/>
-          <a:p>
-            <a:r>
-              <a:rPr lang="zh-CN" altLang="en-US" dirty="0" smtClean="0"/>
-              <a:t>作业</a:t>
-            </a:r>
-            <a:endParaRPr lang="zh-CN" altLang="en-US" dirty="0"/>
-          </a:p>
-        </p:txBody>
-      </p:sp>
-    </p:spTree>
-    <p:extLst>
-      <p:ext uri="{BB962C8B-B14F-4D97-AF65-F5344CB8AC3E}">
-        <p14:creationId xmlns:p14="http://schemas.microsoft.com/office/powerpoint/2010/main" val="1151142602"/>
-      </p:ext>
-    </p:extLst>
-  </p:cSld>
-  <p:clrMapOvr>
-    <a:masterClrMapping/>
-  </p:clrMapOvr>
-  <p:timing>
-    <p:tnLst>
-      <p:par>
-        <p:cTn id="1" dur="indefinite" restart="never" nodeType="tmRoot"/>
-      </p:par>
-    </p:tnLst>
-  </p:timing>
 </p:sld>
 </file>
 
@@ -8808,7 +8710,7 @@
         <a:sysClr val="windowText" lastClr="000000"/>
       </a:dk1>
       <a:lt1>
-        <a:sysClr val="window" lastClr="CCE8CF"/>
+        <a:sysClr val="window" lastClr="FFFFFF"/>
       </a:lt1>
       <a:dk2>
         <a:srgbClr val="1F497D"/>
@@ -9091,7 +8993,7 @@
         <a:sysClr val="windowText" lastClr="000000"/>
       </a:dk1>
       <a:lt1>
-        <a:sysClr val="window" lastClr="CCE8CF"/>
+        <a:sysClr val="window" lastClr="FFFFFF"/>
       </a:lt1>
       <a:dk2>
         <a:srgbClr val="1F497D"/>

--- a/PPT/05 WebDriver高级应用.pptx
+++ b/PPT/05 WebDriver高级应用.pptx
@@ -5,7 +5,7 @@
     <p:sldMasterId id="2147483683" r:id="rId1"/>
   </p:sldMasterIdLst>
   <p:notesMasterIdLst>
-    <p:notesMasterId r:id="rId32"/>
+    <p:notesMasterId r:id="rId31"/>
   </p:notesMasterIdLst>
   <p:sldIdLst>
     <p:sldId id="303" r:id="rId2"/>
@@ -37,7 +37,6 @@
     <p:sldId id="364" r:id="rId28"/>
     <p:sldId id="351" r:id="rId29"/>
     <p:sldId id="367" r:id="rId30"/>
-    <p:sldId id="368" r:id="rId31"/>
   </p:sldIdLst>
   <p:sldSz cx="9144000" cy="5143500" type="screen16x9"/>
   <p:notesSz cx="6858000" cy="9144000"/>
@@ -221,7 +220,7 @@
           <a:p>
             <a:fld id="{AE352125-61D3-4E81-B35C-61384229EEC7}" type="datetimeFigureOut">
               <a:rPr lang="zh-CN" altLang="en-US" smtClean="0"/>
-              <a:t>2019/3/21</a:t>
+              <a:t>2019/3/22</a:t>
             </a:fld>
             <a:endParaRPr lang="zh-CN" altLang="en-US"/>
           </a:p>
@@ -925,7 +924,7 @@
           <a:p>
             <a:fld id="{B0785428-2FED-49F1-91A2-854854CFC33C}" type="datetimeFigureOut">
               <a:rPr lang="zh-CN" altLang="en-US" smtClean="0"/>
-              <a:t>2019/3/21</a:t>
+              <a:t>2019/3/22</a:t>
             </a:fld>
             <a:endParaRPr lang="zh-CN" altLang="en-US"/>
           </a:p>
@@ -1359,7 +1358,7 @@
           <a:p>
             <a:fld id="{B0785428-2FED-49F1-91A2-854854CFC33C}" type="datetimeFigureOut">
               <a:rPr lang="zh-CN" altLang="en-US" smtClean="0"/>
-              <a:t>2019/3/21</a:t>
+              <a:t>2019/3/22</a:t>
             </a:fld>
             <a:endParaRPr lang="zh-CN" altLang="en-US"/>
           </a:p>
@@ -1905,7 +1904,7 @@
           <a:p>
             <a:fld id="{B0785428-2FED-49F1-91A2-854854CFC33C}" type="datetimeFigureOut">
               <a:rPr lang="zh-CN" altLang="en-US" smtClean="0"/>
-              <a:t>2019/3/21</a:t>
+              <a:t>2019/3/22</a:t>
             </a:fld>
             <a:endParaRPr lang="zh-CN" altLang="en-US"/>
           </a:p>
@@ -5646,11 +5645,7 @@
             </a:pPr>
             <a:r>
               <a:rPr lang="zh-CN" altLang="en-US" sz="2400" dirty="0" smtClean="0"/>
-              <a:t>测试</a:t>
-            </a:r>
-            <a:r>
-              <a:rPr lang="zh-CN" altLang="en-US" sz="2400" dirty="0" smtClean="0"/>
-              <a:t>地址：</a:t>
+              <a:t>测试地址：</a:t>
             </a:r>
             <a:r>
               <a:rPr lang="en-US" altLang="zh-CN" sz="2400" dirty="0" smtClean="0"/>
@@ -6628,15 +6623,7 @@
             </a:pPr>
             <a:r>
               <a:rPr lang="zh-CN" altLang="en-US" sz="2400" dirty="0" smtClean="0"/>
-              <a:t>检查</a:t>
-            </a:r>
-            <a:r>
-              <a:rPr lang="zh-CN" altLang="en-US" sz="2400" dirty="0" smtClean="0"/>
-              <a:t>方式元素</a:t>
-            </a:r>
-            <a:r>
-              <a:rPr lang="zh-CN" altLang="en-US" sz="2400" dirty="0" smtClean="0"/>
-              <a:t>是否正常 </a:t>
+              <a:t>检查方式元素是否正常 </a:t>
             </a:r>
             <a:r>
               <a:rPr lang="en-US" altLang="zh-CN" sz="2400" dirty="0" smtClean="0"/>
@@ -7122,6 +7109,13 @@
   <p:clrMapOvr>
     <a:masterClrMapping/>
   </p:clrMapOvr>
+  <p:timing>
+    <p:tnLst>
+      <p:par>
+        <p:cTn id="1" dur="indefinite" restart="never" nodeType="tmRoot"/>
+      </p:par>
+    </p:tnLst>
+  </p:timing>
 </p:sld>
 </file>
 
@@ -7412,140 +7406,6 @@
       </p:par>
     </p:tnLst>
   </p:timing>
-</p:sld>
-</file>
-
-<file path=ppt/slides/slide30.xml><?xml version="1.0" encoding="utf-8"?>
-<p:sld xmlns:a="http://schemas.openxmlformats.org/drawingml/2006/main" xmlns:r="http://schemas.openxmlformats.org/officeDocument/2006/relationships" xmlns:p="http://schemas.openxmlformats.org/presentationml/2006/main">
-  <p:cSld>
-    <p:spTree>
-      <p:nvGrpSpPr>
-        <p:cNvPr id="1" name=""/>
-        <p:cNvGrpSpPr/>
-        <p:nvPr/>
-      </p:nvGrpSpPr>
-      <p:grpSpPr>
-        <a:xfrm>
-          <a:off x="0" y="0"/>
-          <a:ext cx="0" cy="0"/>
-          <a:chOff x="0" y="0"/>
-          <a:chExt cx="0" cy="0"/>
-        </a:xfrm>
-      </p:grpSpPr>
-      <p:sp>
-        <p:nvSpPr>
-          <p:cNvPr id="2" name="内容占位符 1"/>
-          <p:cNvSpPr>
-            <a:spLocks noGrp="1"/>
-          </p:cNvSpPr>
-          <p:nvPr>
-            <p:ph idx="1"/>
-          </p:nvPr>
-        </p:nvSpPr>
-        <p:spPr/>
-        <p:txBody>
-          <a:bodyPr/>
-          <a:lstStyle/>
-          <a:p>
-            <a:endParaRPr lang="zh-CN" altLang="en-US"/>
-          </a:p>
-        </p:txBody>
-      </p:sp>
-      <p:sp>
-        <p:nvSpPr>
-          <p:cNvPr id="3" name="标题 2"/>
-          <p:cNvSpPr>
-            <a:spLocks noGrp="1"/>
-          </p:cNvSpPr>
-          <p:nvPr>
-            <p:ph type="title"/>
-          </p:nvPr>
-        </p:nvSpPr>
-        <p:spPr/>
-        <p:txBody>
-          <a:bodyPr>
-            <a:normAutofit fontScale="90000"/>
-          </a:bodyPr>
-          <a:lstStyle/>
-          <a:p>
-            <a:endParaRPr lang="zh-CN" altLang="en-US"/>
-          </a:p>
-        </p:txBody>
-      </p:sp>
-      <p:pic>
-        <p:nvPicPr>
-          <p:cNvPr id="1026" name="Picture 2"/>
-          <p:cNvPicPr>
-            <a:picLocks noChangeAspect="1" noChangeArrowheads="1"/>
-          </p:cNvPicPr>
-          <p:nvPr/>
-        </p:nvPicPr>
-        <p:blipFill>
-          <a:blip r:embed="rId2">
-            <a:extLst>
-              <a:ext uri="{28A0092B-C50C-407E-A947-70E740481C1C}">
-                <a14:useLocalDpi xmlns:a14="http://schemas.microsoft.com/office/drawing/2010/main" val="0"/>
-              </a:ext>
-            </a:extLst>
-          </a:blip>
-          <a:srcRect/>
-          <a:stretch>
-            <a:fillRect/>
-          </a:stretch>
-        </p:blipFill>
-        <p:spPr bwMode="auto">
-          <a:xfrm>
-            <a:off x="981075" y="919163"/>
-            <a:ext cx="7180263" cy="3305175"/>
-          </a:xfrm>
-          <a:prstGeom prst="rect">
-            <a:avLst/>
-          </a:prstGeom>
-          <a:noFill/>
-          <a:ln>
-            <a:noFill/>
-          </a:ln>
-          <a:effectLst/>
-          <a:extLst>
-            <a:ext uri="{909E8E84-426E-40DD-AFC4-6F175D3DCCD1}">
-              <a14:hiddenFill xmlns:a14="http://schemas.microsoft.com/office/drawing/2010/main">
-                <a:solidFill>
-                  <a:schemeClr val="accent1"/>
-                </a:solidFill>
-              </a14:hiddenFill>
-            </a:ext>
-            <a:ext uri="{91240B29-F687-4F45-9708-019B960494DF}">
-              <a14:hiddenLine xmlns:a14="http://schemas.microsoft.com/office/drawing/2010/main" w="9525">
-                <a:solidFill>
-                  <a:schemeClr val="tx1"/>
-                </a:solidFill>
-                <a:miter lim="800000"/>
-                <a:headEnd/>
-                <a:tailEnd/>
-              </a14:hiddenLine>
-            </a:ext>
-            <a:ext uri="{AF507438-7753-43E0-B8FC-AC1667EBCBE1}">
-              <a14:hiddenEffects xmlns:a14="http://schemas.microsoft.com/office/drawing/2010/main">
-                <a:effectLst>
-                  <a:outerShdw dist="35921" dir="2700000" algn="ctr" rotWithShape="0">
-                    <a:schemeClr val="bg2"/>
-                  </a:outerShdw>
-                </a:effectLst>
-              </a14:hiddenEffects>
-            </a:ext>
-          </a:extLst>
-        </p:spPr>
-      </p:pic>
-    </p:spTree>
-    <p:extLst>
-      <p:ext uri="{BB962C8B-B14F-4D97-AF65-F5344CB8AC3E}">
-        <p14:creationId xmlns:p14="http://schemas.microsoft.com/office/powerpoint/2010/main" val="4089017552"/>
-      </p:ext>
-    </p:extLst>
-  </p:cSld>
-  <p:clrMapOvr>
-    <a:masterClrMapping/>
-  </p:clrMapOvr>
 </p:sld>
 </file>
 
@@ -8710,7 +8570,7 @@
         <a:sysClr val="windowText" lastClr="000000"/>
       </a:dk1>
       <a:lt1>
-        <a:sysClr val="window" lastClr="FFFFFF"/>
+        <a:sysClr val="window" lastClr="CCE8CF"/>
       </a:lt1>
       <a:dk2>
         <a:srgbClr val="1F497D"/>
@@ -8993,7 +8853,7 @@
         <a:sysClr val="windowText" lastClr="000000"/>
       </a:dk1>
       <a:lt1>
-        <a:sysClr val="window" lastClr="FFFFFF"/>
+        <a:sysClr val="window" lastClr="CCE8CF"/>
       </a:lt1>
       <a:dk2>
         <a:srgbClr val="1F497D"/>

--- a/PPT/05 WebDriver高级应用.pptx
+++ b/PPT/05 WebDriver高级应用.pptx
@@ -5,7 +5,7 @@
     <p:sldMasterId id="2147483683" r:id="rId1"/>
   </p:sldMasterIdLst>
   <p:notesMasterIdLst>
-    <p:notesMasterId r:id="rId31"/>
+    <p:notesMasterId r:id="rId30"/>
   </p:notesMasterIdLst>
   <p:sldIdLst>
     <p:sldId id="303" r:id="rId2"/>
@@ -18,25 +18,24 @@
     <p:sldId id="295" r:id="rId9"/>
     <p:sldId id="311" r:id="rId10"/>
     <p:sldId id="353" r:id="rId11"/>
-    <p:sldId id="335" r:id="rId12"/>
-    <p:sldId id="366" r:id="rId13"/>
-    <p:sldId id="355" r:id="rId14"/>
-    <p:sldId id="357" r:id="rId15"/>
-    <p:sldId id="358" r:id="rId16"/>
-    <p:sldId id="359" r:id="rId17"/>
-    <p:sldId id="360" r:id="rId18"/>
-    <p:sldId id="361" r:id="rId19"/>
-    <p:sldId id="362" r:id="rId20"/>
-    <p:sldId id="363" r:id="rId21"/>
-    <p:sldId id="323" r:id="rId22"/>
-    <p:sldId id="324" r:id="rId23"/>
-    <p:sldId id="325" r:id="rId24"/>
-    <p:sldId id="326" r:id="rId25"/>
-    <p:sldId id="327" r:id="rId26"/>
-    <p:sldId id="328" r:id="rId27"/>
-    <p:sldId id="364" r:id="rId28"/>
-    <p:sldId id="351" r:id="rId29"/>
-    <p:sldId id="367" r:id="rId30"/>
+    <p:sldId id="366" r:id="rId12"/>
+    <p:sldId id="355" r:id="rId13"/>
+    <p:sldId id="357" r:id="rId14"/>
+    <p:sldId id="358" r:id="rId15"/>
+    <p:sldId id="359" r:id="rId16"/>
+    <p:sldId id="360" r:id="rId17"/>
+    <p:sldId id="361" r:id="rId18"/>
+    <p:sldId id="362" r:id="rId19"/>
+    <p:sldId id="363" r:id="rId20"/>
+    <p:sldId id="323" r:id="rId21"/>
+    <p:sldId id="324" r:id="rId22"/>
+    <p:sldId id="325" r:id="rId23"/>
+    <p:sldId id="326" r:id="rId24"/>
+    <p:sldId id="327" r:id="rId25"/>
+    <p:sldId id="328" r:id="rId26"/>
+    <p:sldId id="364" r:id="rId27"/>
+    <p:sldId id="351" r:id="rId28"/>
+    <p:sldId id="367" r:id="rId29"/>
   </p:sldIdLst>
   <p:sldSz cx="9144000" cy="5143500" type="screen16x9"/>
   <p:notesSz cx="6858000" cy="9144000"/>
@@ -220,7 +219,7 @@
           <a:p>
             <a:fld id="{AE352125-61D3-4E81-B35C-61384229EEC7}" type="datetimeFigureOut">
               <a:rPr lang="zh-CN" altLang="en-US" smtClean="0"/>
-              <a:t>2019/3/22</a:t>
+              <a:t>2019/4/12</a:t>
             </a:fld>
             <a:endParaRPr lang="zh-CN" altLang="en-US"/>
           </a:p>
@@ -694,7 +693,7 @@
           <a:p>
             <a:fld id="{1F8C5608-CE54-4967-97B1-25D5AD7CD5F3}" type="slidenum">
               <a:rPr lang="zh-CN" altLang="en-US" smtClean="0"/>
-              <a:t>15</a:t>
+              <a:t>14</a:t>
             </a:fld>
             <a:endParaRPr lang="zh-CN" altLang="en-US"/>
           </a:p>
@@ -787,7 +786,7 @@
           <a:p>
             <a:fld id="{C602B3B4-787B-442F-B69E-9A14C81C0336}" type="slidenum">
               <a:rPr lang="zh-CN" altLang="en-US" smtClean="0"/>
-              <a:t>22</a:t>
+              <a:t>21</a:t>
             </a:fld>
             <a:endParaRPr lang="zh-CN" altLang="en-US"/>
           </a:p>
@@ -871,7 +870,7 @@
           <a:p>
             <a:fld id="{C602B3B4-787B-442F-B69E-9A14C81C0336}" type="slidenum">
               <a:rPr lang="zh-CN" altLang="en-US" smtClean="0"/>
-              <a:t>29</a:t>
+              <a:t>28</a:t>
             </a:fld>
             <a:endParaRPr lang="zh-CN" altLang="en-US"/>
           </a:p>
@@ -924,7 +923,7 @@
           <a:p>
             <a:fld id="{B0785428-2FED-49F1-91A2-854854CFC33C}" type="datetimeFigureOut">
               <a:rPr lang="zh-CN" altLang="en-US" smtClean="0"/>
-              <a:t>2019/3/22</a:t>
+              <a:t>2019/4/12</a:t>
             </a:fld>
             <a:endParaRPr lang="zh-CN" altLang="en-US"/>
           </a:p>
@@ -1358,7 +1357,7 @@
           <a:p>
             <a:fld id="{B0785428-2FED-49F1-91A2-854854CFC33C}" type="datetimeFigureOut">
               <a:rPr lang="zh-CN" altLang="en-US" smtClean="0"/>
-              <a:t>2019/3/22</a:t>
+              <a:t>2019/4/12</a:t>
             </a:fld>
             <a:endParaRPr lang="zh-CN" altLang="en-US"/>
           </a:p>
@@ -1904,7 +1903,7 @@
           <a:p>
             <a:fld id="{B0785428-2FED-49F1-91A2-854854CFC33C}" type="datetimeFigureOut">
               <a:rPr lang="zh-CN" altLang="en-US" smtClean="0"/>
-              <a:t>2019/3/22</a:t>
+              <a:t>2019/4/12</a:t>
             </a:fld>
             <a:endParaRPr lang="zh-CN" altLang="en-US"/>
           </a:p>
@@ -2692,188 +2691,6 @@
           <a:lstStyle/>
           <a:p>
             <a:r>
-              <a:rPr lang="en-US" altLang="zh-CN" dirty="0" smtClean="0"/>
-              <a:t> </a:t>
-            </a:r>
-            <a:r>
-              <a:rPr lang="zh-CN" altLang="en-US" dirty="0" smtClean="0"/>
-              <a:t>窗口截屏</a:t>
-            </a:r>
-            <a:endParaRPr lang="zh-CN" altLang="en-US" dirty="0"/>
-          </a:p>
-        </p:txBody>
-      </p:sp>
-      <p:pic>
-        <p:nvPicPr>
-          <p:cNvPr id="9218" name="Picture 2"/>
-          <p:cNvPicPr>
-            <a:picLocks noChangeAspect="1" noChangeArrowheads="1"/>
-          </p:cNvPicPr>
-          <p:nvPr/>
-        </p:nvPicPr>
-        <p:blipFill>
-          <a:blip r:embed="rId2">
-            <a:extLst>
-              <a:ext uri="{28A0092B-C50C-407E-A947-70E740481C1C}">
-                <a14:useLocalDpi xmlns:a14="http://schemas.microsoft.com/office/drawing/2010/main" val="0"/>
-              </a:ext>
-            </a:extLst>
-          </a:blip>
-          <a:srcRect/>
-          <a:stretch>
-            <a:fillRect/>
-          </a:stretch>
-        </p:blipFill>
-        <p:spPr bwMode="auto">
-          <a:xfrm>
-            <a:off x="251520" y="1545636"/>
-            <a:ext cx="8201025" cy="1566174"/>
-          </a:xfrm>
-          <a:prstGeom prst="rect">
-            <a:avLst/>
-          </a:prstGeom>
-          <a:noFill/>
-          <a:ln>
-            <a:noFill/>
-          </a:ln>
-          <a:effectLst/>
-          <a:extLst>
-            <a:ext uri="{909E8E84-426E-40DD-AFC4-6F175D3DCCD1}">
-              <a14:hiddenFill xmlns:a14="http://schemas.microsoft.com/office/drawing/2010/main">
-                <a:solidFill>
-                  <a:schemeClr val="accent1"/>
-                </a:solidFill>
-              </a14:hiddenFill>
-            </a:ext>
-            <a:ext uri="{91240B29-F687-4F45-9708-019B960494DF}">
-              <a14:hiddenLine xmlns:a14="http://schemas.microsoft.com/office/drawing/2010/main" w="9525">
-                <a:solidFill>
-                  <a:schemeClr val="tx1"/>
-                </a:solidFill>
-                <a:miter lim="800000"/>
-                <a:headEnd/>
-                <a:tailEnd/>
-              </a14:hiddenLine>
-            </a:ext>
-            <a:ext uri="{AF507438-7753-43E0-B8FC-AC1667EBCBE1}">
-              <a14:hiddenEffects xmlns:a14="http://schemas.microsoft.com/office/drawing/2010/main">
-                <a:effectLst>
-                  <a:outerShdw dist="35921" dir="2700000" algn="ctr" rotWithShape="0">
-                    <a:schemeClr val="bg2"/>
-                  </a:outerShdw>
-                </a:effectLst>
-              </a14:hiddenEffects>
-            </a:ext>
-          </a:extLst>
-        </p:spPr>
-      </p:pic>
-      <p:sp>
-        <p:nvSpPr>
-          <p:cNvPr id="4" name="TextBox 3"/>
-          <p:cNvSpPr txBox="1"/>
-          <p:nvPr/>
-        </p:nvSpPr>
-        <p:spPr>
-          <a:xfrm>
-            <a:off x="611559" y="3327834"/>
-            <a:ext cx="7480945" cy="954107"/>
-          </a:xfrm>
-          <a:prstGeom prst="rect">
-            <a:avLst/>
-          </a:prstGeom>
-          <a:noFill/>
-        </p:spPr>
-        <p:txBody>
-          <a:bodyPr wrap="square" rtlCol="0">
-            <a:spAutoFit/>
-          </a:bodyPr>
-          <a:lstStyle/>
-          <a:p>
-            <a:r>
-              <a:rPr lang="zh-CN" altLang="en-US" sz="2800" dirty="0" smtClean="0"/>
-              <a:t>练习：请把文件名修改为年月日</a:t>
-            </a:r>
-            <a:r>
-              <a:rPr lang="en-US" altLang="zh-CN" sz="2800" dirty="0" smtClean="0"/>
-              <a:t>-</a:t>
-            </a:r>
-            <a:r>
-              <a:rPr lang="zh-CN" altLang="en-US" sz="2800" dirty="0" smtClean="0"/>
-              <a:t>时分秒</a:t>
-            </a:r>
-            <a:r>
-              <a:rPr lang="en-US" altLang="zh-CN" sz="2800" dirty="0" smtClean="0"/>
-              <a:t>.jpg</a:t>
-            </a:r>
-          </a:p>
-          <a:p>
-            <a:r>
-              <a:rPr lang="zh-CN" altLang="en-US" sz="2800" dirty="0" smtClean="0"/>
-              <a:t>例如</a:t>
-            </a:r>
-            <a:r>
-              <a:rPr lang="en-US" altLang="zh-CN" sz="2800" dirty="0" smtClean="0"/>
-              <a:t>20190917-144910.jpg</a:t>
-            </a:r>
-            <a:endParaRPr lang="zh-CN" altLang="en-US" sz="2800" dirty="0"/>
-          </a:p>
-        </p:txBody>
-      </p:sp>
-    </p:spTree>
-    <p:extLst>
-      <p:ext uri="{BB962C8B-B14F-4D97-AF65-F5344CB8AC3E}">
-        <p14:creationId xmlns:p14="http://schemas.microsoft.com/office/powerpoint/2010/main" val="3314910475"/>
-      </p:ext>
-    </p:extLst>
-  </p:cSld>
-  <p:clrMapOvr>
-    <a:masterClrMapping/>
-  </p:clrMapOvr>
-  <p:timing>
-    <p:tnLst>
-      <p:par>
-        <p:cTn id="1" dur="indefinite" restart="never" nodeType="tmRoot"/>
-      </p:par>
-    </p:tnLst>
-  </p:timing>
-</p:sld>
-</file>
-
-<file path=ppt/slides/slide12.xml><?xml version="1.0" encoding="utf-8"?>
-<p:sld xmlns:a="http://schemas.openxmlformats.org/drawingml/2006/main" xmlns:r="http://schemas.openxmlformats.org/officeDocument/2006/relationships" xmlns:p="http://schemas.openxmlformats.org/presentationml/2006/main">
-  <p:cSld>
-    <p:spTree>
-      <p:nvGrpSpPr>
-        <p:cNvPr id="1" name=""/>
-        <p:cNvGrpSpPr/>
-        <p:nvPr/>
-      </p:nvGrpSpPr>
-      <p:grpSpPr>
-        <a:xfrm>
-          <a:off x="0" y="0"/>
-          <a:ext cx="0" cy="0"/>
-          <a:chOff x="0" y="0"/>
-          <a:chExt cx="0" cy="0"/>
-        </a:xfrm>
-      </p:grpSpPr>
-      <p:sp>
-        <p:nvSpPr>
-          <p:cNvPr id="2" name="标题 1"/>
-          <p:cNvSpPr>
-            <a:spLocks noGrp="1"/>
-          </p:cNvSpPr>
-          <p:nvPr>
-            <p:ph type="title"/>
-          </p:nvPr>
-        </p:nvSpPr>
-        <p:spPr/>
-        <p:txBody>
-          <a:bodyPr>
-            <a:normAutofit fontScale="90000"/>
-          </a:bodyPr>
-          <a:lstStyle/>
-          <a:p>
-            <a:r>
               <a:rPr lang="zh-CN" altLang="en-US" dirty="0" smtClean="0"/>
               <a:t>失败截屏，文件名为当前时间</a:t>
             </a:r>
@@ -2965,7 +2782,7 @@
 </p:sld>
 </file>
 
-<file path=ppt/slides/slide13.xml><?xml version="1.0" encoding="utf-8"?>
+<file path=ppt/slides/slide12.xml><?xml version="1.0" encoding="utf-8"?>
 <p:sld xmlns:a="http://schemas.openxmlformats.org/drawingml/2006/main" xmlns:r="http://schemas.openxmlformats.org/officeDocument/2006/relationships" xmlns:p="http://schemas.openxmlformats.org/presentationml/2006/main">
   <p:cSld>
     <p:spTree>
@@ -3302,7 +3119,7 @@
 </p:sld>
 </file>
 
-<file path=ppt/slides/slide14.xml><?xml version="1.0" encoding="utf-8"?>
+<file path=ppt/slides/slide13.xml><?xml version="1.0" encoding="utf-8"?>
 <p:sld xmlns:a="http://schemas.openxmlformats.org/drawingml/2006/main" xmlns:r="http://schemas.openxmlformats.org/officeDocument/2006/relationships" xmlns:p="http://schemas.openxmlformats.org/presentationml/2006/main">
   <p:cSld>
     <p:spTree>
@@ -3403,7 +3220,7 @@
 </p:sld>
 </file>
 
-<file path=ppt/slides/slide15.xml><?xml version="1.0" encoding="utf-8"?>
+<file path=ppt/slides/slide14.xml><?xml version="1.0" encoding="utf-8"?>
 <p:sld xmlns:a="http://schemas.openxmlformats.org/drawingml/2006/main" xmlns:r="http://schemas.openxmlformats.org/officeDocument/2006/relationships" xmlns:p="http://schemas.openxmlformats.org/presentationml/2006/main">
   <p:cSld>
     <p:spTree>
@@ -3615,7 +3432,7 @@
 </p:sld>
 </file>
 
-<file path=ppt/slides/slide16.xml><?xml version="1.0" encoding="utf-8"?>
+<file path=ppt/slides/slide15.xml><?xml version="1.0" encoding="utf-8"?>
 <p:sld xmlns:a="http://schemas.openxmlformats.org/drawingml/2006/main" xmlns:r="http://schemas.openxmlformats.org/officeDocument/2006/relationships" xmlns:p="http://schemas.openxmlformats.org/presentationml/2006/main">
   <p:cSld>
     <p:spTree>
@@ -3788,7 +3605,7 @@
 </p:sld>
 </file>
 
-<file path=ppt/slides/slide17.xml><?xml version="1.0" encoding="utf-8"?>
+<file path=ppt/slides/slide16.xml><?xml version="1.0" encoding="utf-8"?>
 <p:sld xmlns:a="http://schemas.openxmlformats.org/drawingml/2006/main" xmlns:r="http://schemas.openxmlformats.org/officeDocument/2006/relationships" xmlns:p="http://schemas.openxmlformats.org/presentationml/2006/main">
   <p:cSld>
     <p:spTree>
@@ -4255,7 +4072,7 @@
 </p:sld>
 </file>
 
-<file path=ppt/slides/slide18.xml><?xml version="1.0" encoding="utf-8"?>
+<file path=ppt/slides/slide17.xml><?xml version="1.0" encoding="utf-8"?>
 <p:sld xmlns:a="http://schemas.openxmlformats.org/drawingml/2006/main" xmlns:r="http://schemas.openxmlformats.org/officeDocument/2006/relationships" xmlns:p="http://schemas.openxmlformats.org/presentationml/2006/main">
   <p:cSld>
     <p:spTree>
@@ -4377,7 +4194,7 @@
 </p:sld>
 </file>
 
-<file path=ppt/slides/slide19.xml><?xml version="1.0" encoding="utf-8"?>
+<file path=ppt/slides/slide18.xml><?xml version="1.0" encoding="utf-8"?>
 <p:sld xmlns:a="http://schemas.openxmlformats.org/drawingml/2006/main" xmlns:r="http://schemas.openxmlformats.org/officeDocument/2006/relationships" xmlns:p="http://schemas.openxmlformats.org/presentationml/2006/main">
   <p:cSld>
     <p:spTree>
@@ -4522,6 +4339,340 @@
 </p:sld>
 </file>
 
+<file path=ppt/slides/slide19.xml><?xml version="1.0" encoding="utf-8"?>
+<p:sld xmlns:a="http://schemas.openxmlformats.org/drawingml/2006/main" xmlns:r="http://schemas.openxmlformats.org/officeDocument/2006/relationships" xmlns:p="http://schemas.openxmlformats.org/presentationml/2006/main">
+  <p:cSld>
+    <p:spTree>
+      <p:nvGrpSpPr>
+        <p:cNvPr id="1" name=""/>
+        <p:cNvGrpSpPr/>
+        <p:nvPr/>
+      </p:nvGrpSpPr>
+      <p:grpSpPr>
+        <a:xfrm>
+          <a:off x="0" y="0"/>
+          <a:ext cx="0" cy="0"/>
+          <a:chOff x="0" y="0"/>
+          <a:chExt cx="0" cy="0"/>
+        </a:xfrm>
+      </p:grpSpPr>
+      <p:sp>
+        <p:nvSpPr>
+          <p:cNvPr id="3" name="内容占位符 2"/>
+          <p:cNvSpPr>
+            <a:spLocks noGrp="1"/>
+          </p:cNvSpPr>
+          <p:nvPr>
+            <p:ph idx="1"/>
+          </p:nvPr>
+        </p:nvSpPr>
+        <p:spPr/>
+        <p:txBody>
+          <a:bodyPr>
+            <a:normAutofit/>
+          </a:bodyPr>
+          <a:lstStyle/>
+          <a:p>
+            <a:pPr marL="0" indent="0">
+              <a:buNone/>
+            </a:pPr>
+            <a:endParaRPr lang="zh-CN" altLang="zh-CN" dirty="0"/>
+          </a:p>
+          <a:p>
+            <a:pPr marL="0" indent="0">
+              <a:buNone/>
+            </a:pPr>
+            <a:endParaRPr lang="zh-CN" altLang="en-US" dirty="0"/>
+          </a:p>
+        </p:txBody>
+      </p:sp>
+      <p:sp>
+        <p:nvSpPr>
+          <p:cNvPr id="2" name="标题 1"/>
+          <p:cNvSpPr>
+            <a:spLocks noGrp="1"/>
+          </p:cNvSpPr>
+          <p:nvPr>
+            <p:ph type="title"/>
+          </p:nvPr>
+        </p:nvSpPr>
+        <p:spPr/>
+        <p:txBody>
+          <a:bodyPr>
+            <a:normAutofit fontScale="90000"/>
+          </a:bodyPr>
+          <a:lstStyle/>
+          <a:p>
+            <a:r>
+              <a:rPr lang="zh-CN" altLang="en-US" dirty="0" smtClean="0"/>
+              <a:t>本章大纲</a:t>
+            </a:r>
+            <a:endParaRPr lang="zh-CN" altLang="en-US" dirty="0"/>
+          </a:p>
+        </p:txBody>
+      </p:sp>
+      <p:sp>
+        <p:nvSpPr>
+          <p:cNvPr id="4" name="矩形 3"/>
+          <p:cNvSpPr/>
+          <p:nvPr/>
+        </p:nvSpPr>
+        <p:spPr>
+          <a:xfrm>
+            <a:off x="1469559" y="789553"/>
+            <a:ext cx="5201360" cy="6217087"/>
+          </a:xfrm>
+          <a:prstGeom prst="rect">
+            <a:avLst/>
+          </a:prstGeom>
+        </p:spPr>
+        <p:txBody>
+          <a:bodyPr wrap="none">
+            <a:spAutoFit/>
+          </a:bodyPr>
+          <a:lstStyle/>
+          <a:p>
+            <a:endParaRPr lang="en-US" altLang="zh-CN" dirty="0" smtClean="0"/>
+          </a:p>
+          <a:p>
+            <a:pPr marL="109537">
+              <a:spcBef>
+                <a:spcPts val="1200"/>
+              </a:spcBef>
+            </a:pPr>
+            <a:r>
+              <a:rPr lang="en-US" altLang="zh-CN" sz="2800" dirty="0">
+                <a:latin typeface="微软雅黑" panose="020B0503020204020204" pitchFamily="34" charset="-122"/>
+                <a:ea typeface="微软雅黑" panose="020B0503020204020204" pitchFamily="34" charset="-122"/>
+              </a:rPr>
+              <a:t>5.1 </a:t>
+            </a:r>
+            <a:r>
+              <a:rPr lang="zh-CN" altLang="en-US" sz="2800" dirty="0">
+                <a:latin typeface="微软雅黑" panose="020B0503020204020204" pitchFamily="34" charset="-122"/>
+                <a:ea typeface="微软雅黑" panose="020B0503020204020204" pitchFamily="34" charset="-122"/>
+              </a:rPr>
+              <a:t>获取测试对象状态</a:t>
+            </a:r>
+            <a:endParaRPr lang="en-US" altLang="zh-CN" sz="2800" dirty="0">
+              <a:latin typeface="微软雅黑" panose="020B0503020204020204" pitchFamily="34" charset="-122"/>
+              <a:ea typeface="微软雅黑" panose="020B0503020204020204" pitchFamily="34" charset="-122"/>
+            </a:endParaRPr>
+          </a:p>
+          <a:p>
+            <a:pPr marL="109537">
+              <a:spcBef>
+                <a:spcPts val="1200"/>
+              </a:spcBef>
+            </a:pPr>
+            <a:r>
+              <a:rPr lang="en-US" altLang="zh-CN" sz="2800" dirty="0">
+                <a:latin typeface="微软雅黑" panose="020B0503020204020204" pitchFamily="34" charset="-122"/>
+                <a:ea typeface="微软雅黑" panose="020B0503020204020204" pitchFamily="34" charset="-122"/>
+              </a:rPr>
+              <a:t>5.2 </a:t>
+            </a:r>
+            <a:r>
+              <a:rPr lang="zh-CN" altLang="en-US" sz="2800" dirty="0">
+                <a:latin typeface="微软雅黑" panose="020B0503020204020204" pitchFamily="34" charset="-122"/>
+                <a:ea typeface="微软雅黑" panose="020B0503020204020204" pitchFamily="34" charset="-122"/>
+              </a:rPr>
+              <a:t>执行</a:t>
+            </a:r>
+            <a:r>
+              <a:rPr lang="en-US" altLang="zh-CN" sz="2800" dirty="0" err="1">
+                <a:latin typeface="微软雅黑" panose="020B0503020204020204" pitchFamily="34" charset="-122"/>
+                <a:ea typeface="微软雅黑" panose="020B0503020204020204" pitchFamily="34" charset="-122"/>
+              </a:rPr>
+              <a:t>js</a:t>
+            </a:r>
+            <a:r>
+              <a:rPr lang="zh-CN" altLang="en-US" sz="2800" dirty="0">
+                <a:latin typeface="微软雅黑" panose="020B0503020204020204" pitchFamily="34" charset="-122"/>
+                <a:ea typeface="微软雅黑" panose="020B0503020204020204" pitchFamily="34" charset="-122"/>
+              </a:rPr>
+              <a:t>操作</a:t>
+            </a:r>
+            <a:endParaRPr lang="en-US" altLang="zh-CN" sz="2800" dirty="0">
+              <a:latin typeface="微软雅黑" panose="020B0503020204020204" pitchFamily="34" charset="-122"/>
+              <a:ea typeface="微软雅黑" panose="020B0503020204020204" pitchFamily="34" charset="-122"/>
+            </a:endParaRPr>
+          </a:p>
+          <a:p>
+            <a:pPr marL="109537">
+              <a:spcBef>
+                <a:spcPts val="1200"/>
+              </a:spcBef>
+            </a:pPr>
+            <a:r>
+              <a:rPr lang="en-US" altLang="zh-CN" sz="2800" dirty="0">
+                <a:latin typeface="微软雅黑" panose="020B0503020204020204" pitchFamily="34" charset="-122"/>
+                <a:ea typeface="微软雅黑" panose="020B0503020204020204" pitchFamily="34" charset="-122"/>
+              </a:rPr>
+              <a:t>5.3 </a:t>
+            </a:r>
+            <a:r>
+              <a:rPr lang="zh-CN" altLang="en-US" sz="2800" dirty="0">
+                <a:latin typeface="微软雅黑" panose="020B0503020204020204" pitchFamily="34" charset="-122"/>
+                <a:ea typeface="微软雅黑" panose="020B0503020204020204" pitchFamily="34" charset="-122"/>
+              </a:rPr>
+              <a:t>窗口截屏</a:t>
+            </a:r>
+            <a:endParaRPr lang="en-US" altLang="zh-CN" sz="2800" dirty="0">
+              <a:latin typeface="微软雅黑" panose="020B0503020204020204" pitchFamily="34" charset="-122"/>
+              <a:ea typeface="微软雅黑" panose="020B0503020204020204" pitchFamily="34" charset="-122"/>
+            </a:endParaRPr>
+          </a:p>
+          <a:p>
+            <a:pPr marL="109537">
+              <a:spcBef>
+                <a:spcPts val="1200"/>
+              </a:spcBef>
+            </a:pPr>
+            <a:r>
+              <a:rPr lang="en-US" altLang="zh-CN" sz="2800" dirty="0">
+                <a:latin typeface="微软雅黑" panose="020B0503020204020204" pitchFamily="34" charset="-122"/>
+                <a:ea typeface="微软雅黑" panose="020B0503020204020204" pitchFamily="34" charset="-122"/>
+              </a:rPr>
+              <a:t>5.4 </a:t>
+            </a:r>
+            <a:r>
+              <a:rPr lang="en-US" altLang="zh-CN" sz="2800" dirty="0" err="1">
+                <a:latin typeface="微软雅黑" panose="020B0503020204020204" pitchFamily="34" charset="-122"/>
+                <a:ea typeface="微软雅黑" panose="020B0503020204020204" pitchFamily="34" charset="-122"/>
+              </a:rPr>
+              <a:t>Webdriver</a:t>
+            </a:r>
+            <a:r>
+              <a:rPr lang="zh-CN" altLang="en-US" sz="2800" dirty="0">
+                <a:latin typeface="微软雅黑" panose="020B0503020204020204" pitchFamily="34" charset="-122"/>
+                <a:ea typeface="微软雅黑" panose="020B0503020204020204" pitchFamily="34" charset="-122"/>
+              </a:rPr>
+              <a:t>的三种等待方式</a:t>
+            </a:r>
+            <a:endParaRPr lang="en-US" altLang="zh-CN" sz="2800" dirty="0">
+              <a:latin typeface="微软雅黑" panose="020B0503020204020204" pitchFamily="34" charset="-122"/>
+              <a:ea typeface="微软雅黑" panose="020B0503020204020204" pitchFamily="34" charset="-122"/>
+            </a:endParaRPr>
+          </a:p>
+          <a:p>
+            <a:pPr marL="109537">
+              <a:spcBef>
+                <a:spcPts val="1200"/>
+              </a:spcBef>
+            </a:pPr>
+            <a:r>
+              <a:rPr lang="en-US" altLang="zh-CN" sz="2800" dirty="0" smtClean="0">
+                <a:solidFill>
+                  <a:srgbClr val="FF0000"/>
+                </a:solidFill>
+                <a:latin typeface="微软雅黑" panose="020B0503020204020204" pitchFamily="34" charset="-122"/>
+                <a:ea typeface="微软雅黑" panose="020B0503020204020204" pitchFamily="34" charset="-122"/>
+              </a:rPr>
+              <a:t>5.5 H5</a:t>
+            </a:r>
+            <a:r>
+              <a:rPr lang="zh-CN" altLang="en-US" sz="2800" dirty="0" smtClean="0">
+                <a:solidFill>
+                  <a:srgbClr val="FF0000"/>
+                </a:solidFill>
+                <a:latin typeface="微软雅黑" panose="020B0503020204020204" pitchFamily="34" charset="-122"/>
+                <a:ea typeface="微软雅黑" panose="020B0503020204020204" pitchFamily="34" charset="-122"/>
+              </a:rPr>
+              <a:t>元素</a:t>
+            </a:r>
+            <a:endParaRPr lang="en-US" altLang="zh-CN" sz="2800" dirty="0" smtClean="0">
+              <a:solidFill>
+                <a:srgbClr val="FF0000"/>
+              </a:solidFill>
+              <a:latin typeface="微软雅黑" panose="020B0503020204020204" pitchFamily="34" charset="-122"/>
+              <a:ea typeface="微软雅黑" panose="020B0503020204020204" pitchFamily="34" charset="-122"/>
+            </a:endParaRPr>
+          </a:p>
+          <a:p>
+            <a:pPr marL="109537">
+              <a:spcBef>
+                <a:spcPts val="1200"/>
+              </a:spcBef>
+            </a:pPr>
+            <a:r>
+              <a:rPr lang="en-US" altLang="zh-CN" sz="2800" dirty="0" smtClean="0">
+                <a:latin typeface="微软雅黑" panose="020B0503020204020204" pitchFamily="34" charset="-122"/>
+                <a:ea typeface="微软雅黑" panose="020B0503020204020204" pitchFamily="34" charset="-122"/>
+              </a:rPr>
+              <a:t>5.6 </a:t>
+            </a:r>
+            <a:r>
+              <a:rPr lang="zh-CN" altLang="en-US" sz="2800" b="1" dirty="0"/>
+              <a:t>代码检查点</a:t>
+            </a:r>
+          </a:p>
+          <a:p>
+            <a:pPr marL="109537">
+              <a:spcBef>
+                <a:spcPts val="1200"/>
+              </a:spcBef>
+            </a:pPr>
+            <a:endParaRPr lang="en-US" altLang="zh-CN" sz="2800" dirty="0">
+              <a:latin typeface="微软雅黑" panose="020B0503020204020204" pitchFamily="34" charset="-122"/>
+              <a:ea typeface="微软雅黑" panose="020B0503020204020204" pitchFamily="34" charset="-122"/>
+            </a:endParaRPr>
+          </a:p>
+          <a:p>
+            <a:pPr marL="109537">
+              <a:spcBef>
+                <a:spcPts val="1200"/>
+              </a:spcBef>
+            </a:pPr>
+            <a:endParaRPr lang="en-US" altLang="zh-CN" sz="2800" dirty="0">
+              <a:latin typeface="微软雅黑" panose="020B0503020204020204" pitchFamily="34" charset="-122"/>
+              <a:ea typeface="微软雅黑" panose="020B0503020204020204" pitchFamily="34" charset="-122"/>
+            </a:endParaRPr>
+          </a:p>
+          <a:p>
+            <a:pPr marL="109537">
+              <a:spcBef>
+                <a:spcPts val="1200"/>
+              </a:spcBef>
+            </a:pPr>
+            <a:endParaRPr lang="en-US" altLang="zh-CN" sz="2800" dirty="0">
+              <a:latin typeface="微软雅黑" panose="020B0503020204020204" pitchFamily="34" charset="-122"/>
+              <a:ea typeface="微软雅黑" panose="020B0503020204020204" pitchFamily="34" charset="-122"/>
+            </a:endParaRPr>
+          </a:p>
+          <a:p>
+            <a:pPr marL="109537">
+              <a:spcBef>
+                <a:spcPts val="1200"/>
+              </a:spcBef>
+            </a:pPr>
+            <a:endParaRPr lang="zh-CN" altLang="en-US" sz="2800" dirty="0">
+              <a:latin typeface="微软雅黑" panose="020B0503020204020204" pitchFamily="34" charset="-122"/>
+              <a:ea typeface="微软雅黑" panose="020B0503020204020204" pitchFamily="34" charset="-122"/>
+            </a:endParaRPr>
+          </a:p>
+        </p:txBody>
+      </p:sp>
+    </p:spTree>
+    <p:extLst>
+      <p:ext uri="{BB962C8B-B14F-4D97-AF65-F5344CB8AC3E}">
+        <p14:creationId xmlns:p14="http://schemas.microsoft.com/office/powerpoint/2010/main" val="1098213740"/>
+      </p:ext>
+    </p:extLst>
+  </p:cSld>
+  <p:clrMapOvr>
+    <a:masterClrMapping/>
+  </p:clrMapOvr>
+  <p:timing>
+    <p:tnLst>
+      <p:par>
+        <p:cTn id="1" dur="indefinite" restart="never" nodeType="tmRoot"/>
+      </p:par>
+    </p:tnLst>
+  </p:timing>
+</p:sld>
+</file>
+
 <file path=ppt/slides/slide2.xml><?xml version="1.0" encoding="utf-8"?>
 <p:sld xmlns:a="http://schemas.openxmlformats.org/drawingml/2006/main" xmlns:r="http://schemas.openxmlformats.org/officeDocument/2006/relationships" xmlns:p="http://schemas.openxmlformats.org/presentationml/2006/main">
   <p:cSld>
@@ -4893,340 +5044,6 @@
             <p:ph idx="1"/>
           </p:nvPr>
         </p:nvSpPr>
-        <p:spPr/>
-        <p:txBody>
-          <a:bodyPr>
-            <a:normAutofit/>
-          </a:bodyPr>
-          <a:lstStyle/>
-          <a:p>
-            <a:pPr marL="0" indent="0">
-              <a:buNone/>
-            </a:pPr>
-            <a:endParaRPr lang="zh-CN" altLang="zh-CN" dirty="0"/>
-          </a:p>
-          <a:p>
-            <a:pPr marL="0" indent="0">
-              <a:buNone/>
-            </a:pPr>
-            <a:endParaRPr lang="zh-CN" altLang="en-US" dirty="0"/>
-          </a:p>
-        </p:txBody>
-      </p:sp>
-      <p:sp>
-        <p:nvSpPr>
-          <p:cNvPr id="2" name="标题 1"/>
-          <p:cNvSpPr>
-            <a:spLocks noGrp="1"/>
-          </p:cNvSpPr>
-          <p:nvPr>
-            <p:ph type="title"/>
-          </p:nvPr>
-        </p:nvSpPr>
-        <p:spPr/>
-        <p:txBody>
-          <a:bodyPr>
-            <a:normAutofit fontScale="90000"/>
-          </a:bodyPr>
-          <a:lstStyle/>
-          <a:p>
-            <a:r>
-              <a:rPr lang="zh-CN" altLang="en-US" dirty="0" smtClean="0"/>
-              <a:t>本章大纲</a:t>
-            </a:r>
-            <a:endParaRPr lang="zh-CN" altLang="en-US" dirty="0"/>
-          </a:p>
-        </p:txBody>
-      </p:sp>
-      <p:sp>
-        <p:nvSpPr>
-          <p:cNvPr id="4" name="矩形 3"/>
-          <p:cNvSpPr/>
-          <p:nvPr/>
-        </p:nvSpPr>
-        <p:spPr>
-          <a:xfrm>
-            <a:off x="1469559" y="789553"/>
-            <a:ext cx="5201360" cy="6217087"/>
-          </a:xfrm>
-          <a:prstGeom prst="rect">
-            <a:avLst/>
-          </a:prstGeom>
-        </p:spPr>
-        <p:txBody>
-          <a:bodyPr wrap="none">
-            <a:spAutoFit/>
-          </a:bodyPr>
-          <a:lstStyle/>
-          <a:p>
-            <a:endParaRPr lang="en-US" altLang="zh-CN" dirty="0" smtClean="0"/>
-          </a:p>
-          <a:p>
-            <a:pPr marL="109537">
-              <a:spcBef>
-                <a:spcPts val="1200"/>
-              </a:spcBef>
-            </a:pPr>
-            <a:r>
-              <a:rPr lang="en-US" altLang="zh-CN" sz="2800" dirty="0">
-                <a:latin typeface="微软雅黑" panose="020B0503020204020204" pitchFamily="34" charset="-122"/>
-                <a:ea typeface="微软雅黑" panose="020B0503020204020204" pitchFamily="34" charset="-122"/>
-              </a:rPr>
-              <a:t>5.1 </a:t>
-            </a:r>
-            <a:r>
-              <a:rPr lang="zh-CN" altLang="en-US" sz="2800" dirty="0">
-                <a:latin typeface="微软雅黑" panose="020B0503020204020204" pitchFamily="34" charset="-122"/>
-                <a:ea typeface="微软雅黑" panose="020B0503020204020204" pitchFamily="34" charset="-122"/>
-              </a:rPr>
-              <a:t>获取测试对象状态</a:t>
-            </a:r>
-            <a:endParaRPr lang="en-US" altLang="zh-CN" sz="2800" dirty="0">
-              <a:latin typeface="微软雅黑" panose="020B0503020204020204" pitchFamily="34" charset="-122"/>
-              <a:ea typeface="微软雅黑" panose="020B0503020204020204" pitchFamily="34" charset="-122"/>
-            </a:endParaRPr>
-          </a:p>
-          <a:p>
-            <a:pPr marL="109537">
-              <a:spcBef>
-                <a:spcPts val="1200"/>
-              </a:spcBef>
-            </a:pPr>
-            <a:r>
-              <a:rPr lang="en-US" altLang="zh-CN" sz="2800" dirty="0">
-                <a:latin typeface="微软雅黑" panose="020B0503020204020204" pitchFamily="34" charset="-122"/>
-                <a:ea typeface="微软雅黑" panose="020B0503020204020204" pitchFamily="34" charset="-122"/>
-              </a:rPr>
-              <a:t>5.2 </a:t>
-            </a:r>
-            <a:r>
-              <a:rPr lang="zh-CN" altLang="en-US" sz="2800" dirty="0">
-                <a:latin typeface="微软雅黑" panose="020B0503020204020204" pitchFamily="34" charset="-122"/>
-                <a:ea typeface="微软雅黑" panose="020B0503020204020204" pitchFamily="34" charset="-122"/>
-              </a:rPr>
-              <a:t>执行</a:t>
-            </a:r>
-            <a:r>
-              <a:rPr lang="en-US" altLang="zh-CN" sz="2800" dirty="0" err="1">
-                <a:latin typeface="微软雅黑" panose="020B0503020204020204" pitchFamily="34" charset="-122"/>
-                <a:ea typeface="微软雅黑" panose="020B0503020204020204" pitchFamily="34" charset="-122"/>
-              </a:rPr>
-              <a:t>js</a:t>
-            </a:r>
-            <a:r>
-              <a:rPr lang="zh-CN" altLang="en-US" sz="2800" dirty="0">
-                <a:latin typeface="微软雅黑" panose="020B0503020204020204" pitchFamily="34" charset="-122"/>
-                <a:ea typeface="微软雅黑" panose="020B0503020204020204" pitchFamily="34" charset="-122"/>
-              </a:rPr>
-              <a:t>操作</a:t>
-            </a:r>
-            <a:endParaRPr lang="en-US" altLang="zh-CN" sz="2800" dirty="0">
-              <a:latin typeface="微软雅黑" panose="020B0503020204020204" pitchFamily="34" charset="-122"/>
-              <a:ea typeface="微软雅黑" panose="020B0503020204020204" pitchFamily="34" charset="-122"/>
-            </a:endParaRPr>
-          </a:p>
-          <a:p>
-            <a:pPr marL="109537">
-              <a:spcBef>
-                <a:spcPts val="1200"/>
-              </a:spcBef>
-            </a:pPr>
-            <a:r>
-              <a:rPr lang="en-US" altLang="zh-CN" sz="2800" dirty="0">
-                <a:latin typeface="微软雅黑" panose="020B0503020204020204" pitchFamily="34" charset="-122"/>
-                <a:ea typeface="微软雅黑" panose="020B0503020204020204" pitchFamily="34" charset="-122"/>
-              </a:rPr>
-              <a:t>5.3 </a:t>
-            </a:r>
-            <a:r>
-              <a:rPr lang="zh-CN" altLang="en-US" sz="2800" dirty="0">
-                <a:latin typeface="微软雅黑" panose="020B0503020204020204" pitchFamily="34" charset="-122"/>
-                <a:ea typeface="微软雅黑" panose="020B0503020204020204" pitchFamily="34" charset="-122"/>
-              </a:rPr>
-              <a:t>窗口截屏</a:t>
-            </a:r>
-            <a:endParaRPr lang="en-US" altLang="zh-CN" sz="2800" dirty="0">
-              <a:latin typeface="微软雅黑" panose="020B0503020204020204" pitchFamily="34" charset="-122"/>
-              <a:ea typeface="微软雅黑" panose="020B0503020204020204" pitchFamily="34" charset="-122"/>
-            </a:endParaRPr>
-          </a:p>
-          <a:p>
-            <a:pPr marL="109537">
-              <a:spcBef>
-                <a:spcPts val="1200"/>
-              </a:spcBef>
-            </a:pPr>
-            <a:r>
-              <a:rPr lang="en-US" altLang="zh-CN" sz="2800" dirty="0">
-                <a:latin typeface="微软雅黑" panose="020B0503020204020204" pitchFamily="34" charset="-122"/>
-                <a:ea typeface="微软雅黑" panose="020B0503020204020204" pitchFamily="34" charset="-122"/>
-              </a:rPr>
-              <a:t>5.4 </a:t>
-            </a:r>
-            <a:r>
-              <a:rPr lang="en-US" altLang="zh-CN" sz="2800" dirty="0" err="1">
-                <a:latin typeface="微软雅黑" panose="020B0503020204020204" pitchFamily="34" charset="-122"/>
-                <a:ea typeface="微软雅黑" panose="020B0503020204020204" pitchFamily="34" charset="-122"/>
-              </a:rPr>
-              <a:t>Webdriver</a:t>
-            </a:r>
-            <a:r>
-              <a:rPr lang="zh-CN" altLang="en-US" sz="2800" dirty="0">
-                <a:latin typeface="微软雅黑" panose="020B0503020204020204" pitchFamily="34" charset="-122"/>
-                <a:ea typeface="微软雅黑" panose="020B0503020204020204" pitchFamily="34" charset="-122"/>
-              </a:rPr>
-              <a:t>的三种等待方式</a:t>
-            </a:r>
-            <a:endParaRPr lang="en-US" altLang="zh-CN" sz="2800" dirty="0">
-              <a:latin typeface="微软雅黑" panose="020B0503020204020204" pitchFamily="34" charset="-122"/>
-              <a:ea typeface="微软雅黑" panose="020B0503020204020204" pitchFamily="34" charset="-122"/>
-            </a:endParaRPr>
-          </a:p>
-          <a:p>
-            <a:pPr marL="109537">
-              <a:spcBef>
-                <a:spcPts val="1200"/>
-              </a:spcBef>
-            </a:pPr>
-            <a:r>
-              <a:rPr lang="en-US" altLang="zh-CN" sz="2800" dirty="0" smtClean="0">
-                <a:solidFill>
-                  <a:srgbClr val="FF0000"/>
-                </a:solidFill>
-                <a:latin typeface="微软雅黑" panose="020B0503020204020204" pitchFamily="34" charset="-122"/>
-                <a:ea typeface="微软雅黑" panose="020B0503020204020204" pitchFamily="34" charset="-122"/>
-              </a:rPr>
-              <a:t>5.5 H5</a:t>
-            </a:r>
-            <a:r>
-              <a:rPr lang="zh-CN" altLang="en-US" sz="2800" dirty="0" smtClean="0">
-                <a:solidFill>
-                  <a:srgbClr val="FF0000"/>
-                </a:solidFill>
-                <a:latin typeface="微软雅黑" panose="020B0503020204020204" pitchFamily="34" charset="-122"/>
-                <a:ea typeface="微软雅黑" panose="020B0503020204020204" pitchFamily="34" charset="-122"/>
-              </a:rPr>
-              <a:t>元素</a:t>
-            </a:r>
-            <a:endParaRPr lang="en-US" altLang="zh-CN" sz="2800" dirty="0" smtClean="0">
-              <a:solidFill>
-                <a:srgbClr val="FF0000"/>
-              </a:solidFill>
-              <a:latin typeface="微软雅黑" panose="020B0503020204020204" pitchFamily="34" charset="-122"/>
-              <a:ea typeface="微软雅黑" panose="020B0503020204020204" pitchFamily="34" charset="-122"/>
-            </a:endParaRPr>
-          </a:p>
-          <a:p>
-            <a:pPr marL="109537">
-              <a:spcBef>
-                <a:spcPts val="1200"/>
-              </a:spcBef>
-            </a:pPr>
-            <a:r>
-              <a:rPr lang="en-US" altLang="zh-CN" sz="2800" dirty="0" smtClean="0">
-                <a:latin typeface="微软雅黑" panose="020B0503020204020204" pitchFamily="34" charset="-122"/>
-                <a:ea typeface="微软雅黑" panose="020B0503020204020204" pitchFamily="34" charset="-122"/>
-              </a:rPr>
-              <a:t>5.6 </a:t>
-            </a:r>
-            <a:r>
-              <a:rPr lang="zh-CN" altLang="en-US" sz="2800" b="1" dirty="0"/>
-              <a:t>代码检查点</a:t>
-            </a:r>
-          </a:p>
-          <a:p>
-            <a:pPr marL="109537">
-              <a:spcBef>
-                <a:spcPts val="1200"/>
-              </a:spcBef>
-            </a:pPr>
-            <a:endParaRPr lang="en-US" altLang="zh-CN" sz="2800" dirty="0">
-              <a:latin typeface="微软雅黑" panose="020B0503020204020204" pitchFamily="34" charset="-122"/>
-              <a:ea typeface="微软雅黑" panose="020B0503020204020204" pitchFamily="34" charset="-122"/>
-            </a:endParaRPr>
-          </a:p>
-          <a:p>
-            <a:pPr marL="109537">
-              <a:spcBef>
-                <a:spcPts val="1200"/>
-              </a:spcBef>
-            </a:pPr>
-            <a:endParaRPr lang="en-US" altLang="zh-CN" sz="2800" dirty="0">
-              <a:latin typeface="微软雅黑" panose="020B0503020204020204" pitchFamily="34" charset="-122"/>
-              <a:ea typeface="微软雅黑" panose="020B0503020204020204" pitchFamily="34" charset="-122"/>
-            </a:endParaRPr>
-          </a:p>
-          <a:p>
-            <a:pPr marL="109537">
-              <a:spcBef>
-                <a:spcPts val="1200"/>
-              </a:spcBef>
-            </a:pPr>
-            <a:endParaRPr lang="en-US" altLang="zh-CN" sz="2800" dirty="0">
-              <a:latin typeface="微软雅黑" panose="020B0503020204020204" pitchFamily="34" charset="-122"/>
-              <a:ea typeface="微软雅黑" panose="020B0503020204020204" pitchFamily="34" charset="-122"/>
-            </a:endParaRPr>
-          </a:p>
-          <a:p>
-            <a:pPr marL="109537">
-              <a:spcBef>
-                <a:spcPts val="1200"/>
-              </a:spcBef>
-            </a:pPr>
-            <a:endParaRPr lang="zh-CN" altLang="en-US" sz="2800" dirty="0">
-              <a:latin typeface="微软雅黑" panose="020B0503020204020204" pitchFamily="34" charset="-122"/>
-              <a:ea typeface="微软雅黑" panose="020B0503020204020204" pitchFamily="34" charset="-122"/>
-            </a:endParaRPr>
-          </a:p>
-        </p:txBody>
-      </p:sp>
-    </p:spTree>
-    <p:extLst>
-      <p:ext uri="{BB962C8B-B14F-4D97-AF65-F5344CB8AC3E}">
-        <p14:creationId xmlns:p14="http://schemas.microsoft.com/office/powerpoint/2010/main" val="1098213740"/>
-      </p:ext>
-    </p:extLst>
-  </p:cSld>
-  <p:clrMapOvr>
-    <a:masterClrMapping/>
-  </p:clrMapOvr>
-  <p:timing>
-    <p:tnLst>
-      <p:par>
-        <p:cTn id="1" dur="indefinite" restart="never" nodeType="tmRoot"/>
-      </p:par>
-    </p:tnLst>
-  </p:timing>
-</p:sld>
-</file>
-
-<file path=ppt/slides/slide21.xml><?xml version="1.0" encoding="utf-8"?>
-<p:sld xmlns:a="http://schemas.openxmlformats.org/drawingml/2006/main" xmlns:r="http://schemas.openxmlformats.org/officeDocument/2006/relationships" xmlns:p="http://schemas.openxmlformats.org/presentationml/2006/main">
-  <p:cSld>
-    <p:spTree>
-      <p:nvGrpSpPr>
-        <p:cNvPr id="1" name=""/>
-        <p:cNvGrpSpPr/>
-        <p:nvPr/>
-      </p:nvGrpSpPr>
-      <p:grpSpPr>
-        <a:xfrm>
-          <a:off x="0" y="0"/>
-          <a:ext cx="0" cy="0"/>
-          <a:chOff x="0" y="0"/>
-          <a:chExt cx="0" cy="0"/>
-        </a:xfrm>
-      </p:grpSpPr>
-      <p:sp>
-        <p:nvSpPr>
-          <p:cNvPr id="3" name="内容占位符 2"/>
-          <p:cNvSpPr>
-            <a:spLocks noGrp="1"/>
-          </p:cNvSpPr>
-          <p:nvPr>
-            <p:ph idx="1"/>
-          </p:nvPr>
-        </p:nvSpPr>
         <p:spPr>
           <a:xfrm>
             <a:off x="611560" y="1203598"/>
@@ -5357,7 +5174,7 @@
 </p:sld>
 </file>
 
-<file path=ppt/slides/slide22.xml><?xml version="1.0" encoding="utf-8"?>
+<file path=ppt/slides/slide21.xml><?xml version="1.0" encoding="utf-8"?>
 <p:sld xmlns:a="http://schemas.openxmlformats.org/drawingml/2006/main" xmlns:r="http://schemas.openxmlformats.org/officeDocument/2006/relationships" xmlns:p="http://schemas.openxmlformats.org/presentationml/2006/main">
   <p:cSld>
     <p:spTree>
@@ -5518,7 +5335,7 @@
 </p:sld>
 </file>
 
-<file path=ppt/slides/slide23.xml><?xml version="1.0" encoding="utf-8"?>
+<file path=ppt/slides/slide22.xml><?xml version="1.0" encoding="utf-8"?>
 <p:sld xmlns:a="http://schemas.openxmlformats.org/drawingml/2006/main" xmlns:r="http://schemas.openxmlformats.org/officeDocument/2006/relationships" xmlns:p="http://schemas.openxmlformats.org/presentationml/2006/main">
   <p:cSld>
     <p:spTree>
@@ -5776,7 +5593,7 @@
 </p:sld>
 </file>
 
-<file path=ppt/slides/slide24.xml><?xml version="1.0" encoding="utf-8"?>
+<file path=ppt/slides/slide23.xml><?xml version="1.0" encoding="utf-8"?>
 <p:sld xmlns:a="http://schemas.openxmlformats.org/drawingml/2006/main" xmlns:r="http://schemas.openxmlformats.org/officeDocument/2006/relationships" xmlns:p="http://schemas.openxmlformats.org/presentationml/2006/main">
   <p:cSld>
     <p:spTree>
@@ -5940,7 +5757,7 @@
 </p:sld>
 </file>
 
-<file path=ppt/slides/slide25.xml><?xml version="1.0" encoding="utf-8"?>
+<file path=ppt/slides/slide24.xml><?xml version="1.0" encoding="utf-8"?>
 <p:sld xmlns:a="http://schemas.openxmlformats.org/drawingml/2006/main" xmlns:r="http://schemas.openxmlformats.org/officeDocument/2006/relationships" xmlns:p="http://schemas.openxmlformats.org/presentationml/2006/main">
   <p:cSld>
     <p:spTree>
@@ -6123,7 +5940,7 @@
 </p:sld>
 </file>
 
-<file path=ppt/slides/slide26.xml><?xml version="1.0" encoding="utf-8"?>
+<file path=ppt/slides/slide25.xml><?xml version="1.0" encoding="utf-8"?>
 <p:sld xmlns:a="http://schemas.openxmlformats.org/drawingml/2006/main" xmlns:r="http://schemas.openxmlformats.org/officeDocument/2006/relationships" xmlns:p="http://schemas.openxmlformats.org/presentationml/2006/main">
   <p:cSld>
     <p:spTree>
@@ -6245,7 +6062,7 @@
 </p:sld>
 </file>
 
-<file path=ppt/slides/slide27.xml><?xml version="1.0" encoding="utf-8"?>
+<file path=ppt/slides/slide26.xml><?xml version="1.0" encoding="utf-8"?>
 <p:sld xmlns:a="http://schemas.openxmlformats.org/drawingml/2006/main" xmlns:r="http://schemas.openxmlformats.org/officeDocument/2006/relationships" xmlns:p="http://schemas.openxmlformats.org/presentationml/2006/main">
   <p:cSld>
     <p:spTree>
@@ -6577,7 +6394,7 @@
 </p:sld>
 </file>
 
-<file path=ppt/slides/slide28.xml><?xml version="1.0" encoding="utf-8"?>
+<file path=ppt/slides/slide27.xml><?xml version="1.0" encoding="utf-8"?>
 <p:sld xmlns:a="http://schemas.openxmlformats.org/drawingml/2006/main" xmlns:r="http://schemas.openxmlformats.org/officeDocument/2006/relationships" xmlns:p="http://schemas.openxmlformats.org/presentationml/2006/main">
   <p:cSld>
     <p:spTree>
@@ -6759,7 +6576,7 @@
 </p:sld>
 </file>
 
-<file path=ppt/slides/slide29.xml><?xml version="1.0" encoding="utf-8"?>
+<file path=ppt/slides/slide28.xml><?xml version="1.0" encoding="utf-8"?>
 <p:sld xmlns:a="http://schemas.openxmlformats.org/drawingml/2006/main" xmlns:r="http://schemas.openxmlformats.org/officeDocument/2006/relationships" xmlns:p="http://schemas.openxmlformats.org/presentationml/2006/main">
   <p:cSld>
     <p:spTree>
